--- a/day7/fig/fig.pptx
+++ b/day7/fig/fig.pptx
@@ -5,10 +5,12 @@
     <p:sldMasterId id="2147483660" r:id="rId1"/>
   </p:sldMasterIdLst>
   <p:notesMasterIdLst>
-    <p:notesMasterId r:id="rId3"/>
+    <p:notesMasterId r:id="rId5"/>
   </p:notesMasterIdLst>
   <p:sldIdLst>
     <p:sldId id="256" r:id="rId2"/>
+    <p:sldId id="257" r:id="rId3"/>
+    <p:sldId id="258" r:id="rId4"/>
   </p:sldIdLst>
   <p:sldSz cx="9906000" cy="6858000" type="A4"/>
   <p:notesSz cx="6858000" cy="9144000"/>
@@ -199,7 +201,7 @@
           </a:lstStyle>
           <a:p>
             <a:fld id="{234B1B89-6D29-7849-8E65-921CEBC6CA4C}" type="datetimeFigureOut">
-              <a:t>2018/10/17</a:t>
+              <a:t>2018/11/15</a:t>
             </a:fld>
             <a:endParaRPr kumimoji="1" lang="ja-JP" altLang="en-US"/>
           </a:p>
@@ -3103,6 +3105,3536 @@
     <p:extLst>
       <p:ext uri="{BB962C8B-B14F-4D97-AF65-F5344CB8AC3E}">
         <p14:creationId xmlns:p14="http://schemas.microsoft.com/office/powerpoint/2010/main" val="2598289568"/>
+      </p:ext>
+    </p:extLst>
+  </p:cSld>
+  <p:clrMapOvr>
+    <a:masterClrMapping/>
+  </p:clrMapOvr>
+</p:sld>
+</file>
+
+<file path=ppt/slides/slide2.xml><?xml version="1.0" encoding="utf-8"?>
+<p:sld xmlns:a="http://schemas.openxmlformats.org/drawingml/2006/main" xmlns:r="http://schemas.openxmlformats.org/officeDocument/2006/relationships" xmlns:p="http://schemas.openxmlformats.org/presentationml/2006/main">
+  <p:cSld>
+    <p:spTree>
+      <p:nvGrpSpPr>
+        <p:cNvPr id="1" name=""/>
+        <p:cNvGrpSpPr/>
+        <p:nvPr/>
+      </p:nvGrpSpPr>
+      <p:grpSpPr>
+        <a:xfrm>
+          <a:off x="0" y="0"/>
+          <a:ext cx="0" cy="0"/>
+          <a:chOff x="0" y="0"/>
+          <a:chExt cx="0" cy="0"/>
+        </a:xfrm>
+      </p:grpSpPr>
+      <p:sp>
+        <p:nvSpPr>
+          <p:cNvPr id="2" name="正方形/長方形 1">
+            <a:extLst>
+              <a:ext uri="{FF2B5EF4-FFF2-40B4-BE49-F238E27FC236}">
+                <a16:creationId xmlns:a16="http://schemas.microsoft.com/office/drawing/2014/main" id="{47CC05BB-0392-D84B-A861-05329F5A211C}"/>
+              </a:ext>
+            </a:extLst>
+          </p:cNvPr>
+          <p:cNvSpPr/>
+          <p:nvPr/>
+        </p:nvSpPr>
+        <p:spPr>
+          <a:xfrm>
+            <a:off x="1136576" y="1556792"/>
+            <a:ext cx="504056" cy="504056"/>
+          </a:xfrm>
+          <a:prstGeom prst="rect">
+            <a:avLst/>
+          </a:prstGeom>
+          <a:noFill/>
+          <a:ln>
+            <a:solidFill>
+              <a:schemeClr val="tx1"/>
+            </a:solidFill>
+          </a:ln>
+        </p:spPr>
+        <p:style>
+          <a:lnRef idx="2">
+            <a:schemeClr val="accent1">
+              <a:shade val="50000"/>
+            </a:schemeClr>
+          </a:lnRef>
+          <a:fillRef idx="1">
+            <a:schemeClr val="accent1"/>
+          </a:fillRef>
+          <a:effectRef idx="0">
+            <a:schemeClr val="accent1"/>
+          </a:effectRef>
+          <a:fontRef idx="minor">
+            <a:schemeClr val="lt1"/>
+          </a:fontRef>
+        </p:style>
+        <p:txBody>
+          <a:bodyPr rtlCol="0" anchor="ctr"/>
+          <a:lstStyle/>
+          <a:p>
+            <a:pPr algn="ctr"/>
+            <a:endParaRPr kumimoji="1" lang="ja-JP" altLang="en-US">
+              <a:solidFill>
+                <a:schemeClr val="tx1"/>
+              </a:solidFill>
+            </a:endParaRPr>
+          </a:p>
+        </p:txBody>
+      </p:sp>
+      <p:sp>
+        <p:nvSpPr>
+          <p:cNvPr id="3" name="正方形/長方形 2">
+            <a:extLst>
+              <a:ext uri="{FF2B5EF4-FFF2-40B4-BE49-F238E27FC236}">
+                <a16:creationId xmlns:a16="http://schemas.microsoft.com/office/drawing/2014/main" id="{EB9DE39E-69F7-4F46-B7C3-44B36D9EDE80}"/>
+              </a:ext>
+            </a:extLst>
+          </p:cNvPr>
+          <p:cNvSpPr/>
+          <p:nvPr/>
+        </p:nvSpPr>
+        <p:spPr>
+          <a:xfrm>
+            <a:off x="1640632" y="1556792"/>
+            <a:ext cx="504056" cy="504056"/>
+          </a:xfrm>
+          <a:prstGeom prst="rect">
+            <a:avLst/>
+          </a:prstGeom>
+          <a:noFill/>
+          <a:ln>
+            <a:solidFill>
+              <a:schemeClr val="tx1"/>
+            </a:solidFill>
+          </a:ln>
+        </p:spPr>
+        <p:style>
+          <a:lnRef idx="2">
+            <a:schemeClr val="accent1">
+              <a:shade val="50000"/>
+            </a:schemeClr>
+          </a:lnRef>
+          <a:fillRef idx="1">
+            <a:schemeClr val="accent1"/>
+          </a:fillRef>
+          <a:effectRef idx="0">
+            <a:schemeClr val="accent1"/>
+          </a:effectRef>
+          <a:fontRef idx="minor">
+            <a:schemeClr val="lt1"/>
+          </a:fontRef>
+        </p:style>
+        <p:txBody>
+          <a:bodyPr rtlCol="0" anchor="ctr"/>
+          <a:lstStyle/>
+          <a:p>
+            <a:pPr algn="ctr"/>
+            <a:r>
+              <a:rPr kumimoji="1" lang="en-US" altLang="ja-JP">
+                <a:solidFill>
+                  <a:schemeClr val="tx1"/>
+                </a:solidFill>
+              </a:rPr>
+              <a:t>z</a:t>
+            </a:r>
+            <a:endParaRPr kumimoji="1" lang="ja-JP" altLang="en-US">
+              <a:solidFill>
+                <a:schemeClr val="tx1"/>
+              </a:solidFill>
+            </a:endParaRPr>
+          </a:p>
+        </p:txBody>
+      </p:sp>
+      <p:sp>
+        <p:nvSpPr>
+          <p:cNvPr id="4" name="正方形/長方形 3">
+            <a:extLst>
+              <a:ext uri="{FF2B5EF4-FFF2-40B4-BE49-F238E27FC236}">
+                <a16:creationId xmlns:a16="http://schemas.microsoft.com/office/drawing/2014/main" id="{CEF8B834-2614-4140-BF00-39C4EA7DE4A7}"/>
+              </a:ext>
+            </a:extLst>
+          </p:cNvPr>
+          <p:cNvSpPr/>
+          <p:nvPr/>
+        </p:nvSpPr>
+        <p:spPr>
+          <a:xfrm>
+            <a:off x="2144688" y="1556792"/>
+            <a:ext cx="504056" cy="504056"/>
+          </a:xfrm>
+          <a:prstGeom prst="rect">
+            <a:avLst/>
+          </a:prstGeom>
+          <a:noFill/>
+          <a:ln>
+            <a:solidFill>
+              <a:schemeClr val="tx1"/>
+            </a:solidFill>
+          </a:ln>
+        </p:spPr>
+        <p:style>
+          <a:lnRef idx="2">
+            <a:schemeClr val="accent1">
+              <a:shade val="50000"/>
+            </a:schemeClr>
+          </a:lnRef>
+          <a:fillRef idx="1">
+            <a:schemeClr val="accent1"/>
+          </a:fillRef>
+          <a:effectRef idx="0">
+            <a:schemeClr val="accent1"/>
+          </a:effectRef>
+          <a:fontRef idx="minor">
+            <a:schemeClr val="lt1"/>
+          </a:fontRef>
+        </p:style>
+        <p:txBody>
+          <a:bodyPr rtlCol="0" anchor="ctr"/>
+          <a:lstStyle/>
+          <a:p>
+            <a:pPr algn="ctr"/>
+            <a:r>
+              <a:rPr kumimoji="1" lang="en-US" altLang="ja-JP">
+                <a:solidFill>
+                  <a:schemeClr val="tx1"/>
+                </a:solidFill>
+              </a:rPr>
+              <a:t>y</a:t>
+            </a:r>
+            <a:endParaRPr kumimoji="1" lang="ja-JP" altLang="en-US">
+              <a:solidFill>
+                <a:schemeClr val="tx1"/>
+              </a:solidFill>
+            </a:endParaRPr>
+          </a:p>
+        </p:txBody>
+      </p:sp>
+      <p:sp>
+        <p:nvSpPr>
+          <p:cNvPr id="5" name="正方形/長方形 4">
+            <a:extLst>
+              <a:ext uri="{FF2B5EF4-FFF2-40B4-BE49-F238E27FC236}">
+                <a16:creationId xmlns:a16="http://schemas.microsoft.com/office/drawing/2014/main" id="{A334687B-6C5E-A542-B6B2-47ADE5E92E66}"/>
+              </a:ext>
+            </a:extLst>
+          </p:cNvPr>
+          <p:cNvSpPr/>
+          <p:nvPr/>
+        </p:nvSpPr>
+        <p:spPr>
+          <a:xfrm>
+            <a:off x="2648744" y="1556792"/>
+            <a:ext cx="504056" cy="504056"/>
+          </a:xfrm>
+          <a:prstGeom prst="rect">
+            <a:avLst/>
+          </a:prstGeom>
+          <a:noFill/>
+          <a:ln>
+            <a:solidFill>
+              <a:schemeClr val="tx1"/>
+            </a:solidFill>
+          </a:ln>
+        </p:spPr>
+        <p:style>
+          <a:lnRef idx="2">
+            <a:schemeClr val="accent1">
+              <a:shade val="50000"/>
+            </a:schemeClr>
+          </a:lnRef>
+          <a:fillRef idx="1">
+            <a:schemeClr val="accent1"/>
+          </a:fillRef>
+          <a:effectRef idx="0">
+            <a:schemeClr val="accent1"/>
+          </a:effectRef>
+          <a:fontRef idx="minor">
+            <a:schemeClr val="lt1"/>
+          </a:fontRef>
+        </p:style>
+        <p:txBody>
+          <a:bodyPr rtlCol="0" anchor="ctr"/>
+          <a:lstStyle/>
+          <a:p>
+            <a:pPr algn="ctr"/>
+            <a:r>
+              <a:rPr kumimoji="1" lang="en-US" altLang="ja-JP">
+                <a:solidFill>
+                  <a:schemeClr val="tx1"/>
+                </a:solidFill>
+              </a:rPr>
+              <a:t>x</a:t>
+            </a:r>
+            <a:endParaRPr kumimoji="1" lang="ja-JP" altLang="en-US">
+              <a:solidFill>
+                <a:schemeClr val="tx1"/>
+              </a:solidFill>
+            </a:endParaRPr>
+          </a:p>
+        </p:txBody>
+      </p:sp>
+      <p:sp>
+        <p:nvSpPr>
+          <p:cNvPr id="6" name="正方形/長方形 5">
+            <a:extLst>
+              <a:ext uri="{FF2B5EF4-FFF2-40B4-BE49-F238E27FC236}">
+                <a16:creationId xmlns:a16="http://schemas.microsoft.com/office/drawing/2014/main" id="{5CAAB22D-C4E1-8E43-84A5-27D396984BE8}"/>
+              </a:ext>
+            </a:extLst>
+          </p:cNvPr>
+          <p:cNvSpPr/>
+          <p:nvPr/>
+        </p:nvSpPr>
+        <p:spPr>
+          <a:xfrm>
+            <a:off x="3152800" y="1556792"/>
+            <a:ext cx="504056" cy="504056"/>
+          </a:xfrm>
+          <a:prstGeom prst="rect">
+            <a:avLst/>
+          </a:prstGeom>
+          <a:noFill/>
+          <a:ln>
+            <a:solidFill>
+              <a:schemeClr val="tx1"/>
+            </a:solidFill>
+          </a:ln>
+        </p:spPr>
+        <p:style>
+          <a:lnRef idx="2">
+            <a:schemeClr val="accent1">
+              <a:shade val="50000"/>
+            </a:schemeClr>
+          </a:lnRef>
+          <a:fillRef idx="1">
+            <a:schemeClr val="accent1"/>
+          </a:fillRef>
+          <a:effectRef idx="0">
+            <a:schemeClr val="accent1"/>
+          </a:effectRef>
+          <a:fontRef idx="minor">
+            <a:schemeClr val="lt1"/>
+          </a:fontRef>
+        </p:style>
+        <p:txBody>
+          <a:bodyPr rtlCol="0" anchor="ctr"/>
+          <a:lstStyle/>
+          <a:p>
+            <a:pPr algn="ctr"/>
+            <a:endParaRPr kumimoji="1" lang="ja-JP" altLang="en-US">
+              <a:solidFill>
+                <a:schemeClr val="tx1"/>
+              </a:solidFill>
+            </a:endParaRPr>
+          </a:p>
+        </p:txBody>
+      </p:sp>
+      <p:sp>
+        <p:nvSpPr>
+          <p:cNvPr id="7" name="正方形/長方形 6">
+            <a:extLst>
+              <a:ext uri="{FF2B5EF4-FFF2-40B4-BE49-F238E27FC236}">
+                <a16:creationId xmlns:a16="http://schemas.microsoft.com/office/drawing/2014/main" id="{A00338E8-DDDB-6D46-9F92-CD55199194CE}"/>
+              </a:ext>
+            </a:extLst>
+          </p:cNvPr>
+          <p:cNvSpPr/>
+          <p:nvPr/>
+        </p:nvSpPr>
+        <p:spPr>
+          <a:xfrm>
+            <a:off x="3656856" y="1556792"/>
+            <a:ext cx="504056" cy="504056"/>
+          </a:xfrm>
+          <a:prstGeom prst="rect">
+            <a:avLst/>
+          </a:prstGeom>
+          <a:noFill/>
+          <a:ln>
+            <a:solidFill>
+              <a:schemeClr val="tx1"/>
+            </a:solidFill>
+          </a:ln>
+        </p:spPr>
+        <p:style>
+          <a:lnRef idx="2">
+            <a:schemeClr val="accent1">
+              <a:shade val="50000"/>
+            </a:schemeClr>
+          </a:lnRef>
+          <a:fillRef idx="1">
+            <a:schemeClr val="accent1"/>
+          </a:fillRef>
+          <a:effectRef idx="0">
+            <a:schemeClr val="accent1"/>
+          </a:effectRef>
+          <a:fontRef idx="minor">
+            <a:schemeClr val="lt1"/>
+          </a:fontRef>
+        </p:style>
+        <p:txBody>
+          <a:bodyPr rtlCol="0" anchor="ctr"/>
+          <a:lstStyle/>
+          <a:p>
+            <a:pPr algn="ctr"/>
+            <a:r>
+              <a:rPr kumimoji="1" lang="en-US" altLang="ja-JP">
+                <a:solidFill>
+                  <a:schemeClr val="tx1"/>
+                </a:solidFill>
+              </a:rPr>
+              <a:t>z</a:t>
+            </a:r>
+            <a:endParaRPr kumimoji="1" lang="ja-JP" altLang="en-US">
+              <a:solidFill>
+                <a:schemeClr val="tx1"/>
+              </a:solidFill>
+            </a:endParaRPr>
+          </a:p>
+        </p:txBody>
+      </p:sp>
+      <p:sp>
+        <p:nvSpPr>
+          <p:cNvPr id="8" name="正方形/長方形 7">
+            <a:extLst>
+              <a:ext uri="{FF2B5EF4-FFF2-40B4-BE49-F238E27FC236}">
+                <a16:creationId xmlns:a16="http://schemas.microsoft.com/office/drawing/2014/main" id="{A618CAD4-6122-6647-99D4-4FCD87E8E339}"/>
+              </a:ext>
+            </a:extLst>
+          </p:cNvPr>
+          <p:cNvSpPr/>
+          <p:nvPr/>
+        </p:nvSpPr>
+        <p:spPr>
+          <a:xfrm>
+            <a:off x="4160912" y="1556792"/>
+            <a:ext cx="504056" cy="504056"/>
+          </a:xfrm>
+          <a:prstGeom prst="rect">
+            <a:avLst/>
+          </a:prstGeom>
+          <a:noFill/>
+          <a:ln>
+            <a:solidFill>
+              <a:schemeClr val="tx1"/>
+            </a:solidFill>
+          </a:ln>
+        </p:spPr>
+        <p:style>
+          <a:lnRef idx="2">
+            <a:schemeClr val="accent1">
+              <a:shade val="50000"/>
+            </a:schemeClr>
+          </a:lnRef>
+          <a:fillRef idx="1">
+            <a:schemeClr val="accent1"/>
+          </a:fillRef>
+          <a:effectRef idx="0">
+            <a:schemeClr val="accent1"/>
+          </a:effectRef>
+          <a:fontRef idx="minor">
+            <a:schemeClr val="lt1"/>
+          </a:fontRef>
+        </p:style>
+        <p:txBody>
+          <a:bodyPr rtlCol="0" anchor="ctr"/>
+          <a:lstStyle/>
+          <a:p>
+            <a:pPr algn="ctr"/>
+            <a:r>
+              <a:rPr kumimoji="1" lang="en-US" altLang="ja-JP">
+                <a:solidFill>
+                  <a:schemeClr val="tx1"/>
+                </a:solidFill>
+              </a:rPr>
+              <a:t>y</a:t>
+            </a:r>
+            <a:endParaRPr kumimoji="1" lang="ja-JP" altLang="en-US">
+              <a:solidFill>
+                <a:schemeClr val="tx1"/>
+              </a:solidFill>
+            </a:endParaRPr>
+          </a:p>
+        </p:txBody>
+      </p:sp>
+      <p:sp>
+        <p:nvSpPr>
+          <p:cNvPr id="9" name="正方形/長方形 8">
+            <a:extLst>
+              <a:ext uri="{FF2B5EF4-FFF2-40B4-BE49-F238E27FC236}">
+                <a16:creationId xmlns:a16="http://schemas.microsoft.com/office/drawing/2014/main" id="{2547F031-2BD7-5F4A-BF70-E25AF907D652}"/>
+              </a:ext>
+            </a:extLst>
+          </p:cNvPr>
+          <p:cNvSpPr/>
+          <p:nvPr/>
+        </p:nvSpPr>
+        <p:spPr>
+          <a:xfrm>
+            <a:off x="4664968" y="1556792"/>
+            <a:ext cx="504056" cy="504056"/>
+          </a:xfrm>
+          <a:prstGeom prst="rect">
+            <a:avLst/>
+          </a:prstGeom>
+          <a:noFill/>
+          <a:ln>
+            <a:solidFill>
+              <a:schemeClr val="tx1"/>
+            </a:solidFill>
+          </a:ln>
+        </p:spPr>
+        <p:style>
+          <a:lnRef idx="2">
+            <a:schemeClr val="accent1">
+              <a:shade val="50000"/>
+            </a:schemeClr>
+          </a:lnRef>
+          <a:fillRef idx="1">
+            <a:schemeClr val="accent1"/>
+          </a:fillRef>
+          <a:effectRef idx="0">
+            <a:schemeClr val="accent1"/>
+          </a:effectRef>
+          <a:fontRef idx="minor">
+            <a:schemeClr val="lt1"/>
+          </a:fontRef>
+        </p:style>
+        <p:txBody>
+          <a:bodyPr rtlCol="0" anchor="ctr"/>
+          <a:lstStyle/>
+          <a:p>
+            <a:pPr algn="ctr"/>
+            <a:r>
+              <a:rPr kumimoji="1" lang="en-US" altLang="ja-JP">
+                <a:solidFill>
+                  <a:schemeClr val="tx1"/>
+                </a:solidFill>
+              </a:rPr>
+              <a:t>x</a:t>
+            </a:r>
+            <a:endParaRPr kumimoji="1" lang="ja-JP" altLang="en-US">
+              <a:solidFill>
+                <a:schemeClr val="tx1"/>
+              </a:solidFill>
+            </a:endParaRPr>
+          </a:p>
+        </p:txBody>
+      </p:sp>
+      <p:sp>
+        <p:nvSpPr>
+          <p:cNvPr id="10" name="正方形/長方形 9">
+            <a:extLst>
+              <a:ext uri="{FF2B5EF4-FFF2-40B4-BE49-F238E27FC236}">
+                <a16:creationId xmlns:a16="http://schemas.microsoft.com/office/drawing/2014/main" id="{1CE34BAB-2EFD-4848-85E1-5C1C0F231290}"/>
+              </a:ext>
+            </a:extLst>
+          </p:cNvPr>
+          <p:cNvSpPr/>
+          <p:nvPr/>
+        </p:nvSpPr>
+        <p:spPr>
+          <a:xfrm>
+            <a:off x="5169024" y="1556792"/>
+            <a:ext cx="504056" cy="504056"/>
+          </a:xfrm>
+          <a:prstGeom prst="rect">
+            <a:avLst/>
+          </a:prstGeom>
+          <a:noFill/>
+          <a:ln>
+            <a:solidFill>
+              <a:schemeClr val="tx1"/>
+            </a:solidFill>
+          </a:ln>
+        </p:spPr>
+        <p:style>
+          <a:lnRef idx="2">
+            <a:schemeClr val="accent1">
+              <a:shade val="50000"/>
+            </a:schemeClr>
+          </a:lnRef>
+          <a:fillRef idx="1">
+            <a:schemeClr val="accent1"/>
+          </a:fillRef>
+          <a:effectRef idx="0">
+            <a:schemeClr val="accent1"/>
+          </a:effectRef>
+          <a:fontRef idx="minor">
+            <a:schemeClr val="lt1"/>
+          </a:fontRef>
+        </p:style>
+        <p:txBody>
+          <a:bodyPr rtlCol="0" anchor="ctr"/>
+          <a:lstStyle/>
+          <a:p>
+            <a:pPr algn="ctr"/>
+            <a:endParaRPr kumimoji="1" lang="ja-JP" altLang="en-US">
+              <a:solidFill>
+                <a:schemeClr val="tx1"/>
+              </a:solidFill>
+            </a:endParaRPr>
+          </a:p>
+        </p:txBody>
+      </p:sp>
+      <p:sp>
+        <p:nvSpPr>
+          <p:cNvPr id="11" name="正方形/長方形 10">
+            <a:extLst>
+              <a:ext uri="{FF2B5EF4-FFF2-40B4-BE49-F238E27FC236}">
+                <a16:creationId xmlns:a16="http://schemas.microsoft.com/office/drawing/2014/main" id="{45671A90-4C57-7945-930D-796B82392C6E}"/>
+              </a:ext>
+            </a:extLst>
+          </p:cNvPr>
+          <p:cNvSpPr/>
+          <p:nvPr/>
+        </p:nvSpPr>
+        <p:spPr>
+          <a:xfrm>
+            <a:off x="5673080" y="1556792"/>
+            <a:ext cx="504056" cy="504056"/>
+          </a:xfrm>
+          <a:prstGeom prst="rect">
+            <a:avLst/>
+          </a:prstGeom>
+          <a:noFill/>
+          <a:ln>
+            <a:solidFill>
+              <a:schemeClr val="tx1"/>
+            </a:solidFill>
+          </a:ln>
+        </p:spPr>
+        <p:style>
+          <a:lnRef idx="2">
+            <a:schemeClr val="accent1">
+              <a:shade val="50000"/>
+            </a:schemeClr>
+          </a:lnRef>
+          <a:fillRef idx="1">
+            <a:schemeClr val="accent1"/>
+          </a:fillRef>
+          <a:effectRef idx="0">
+            <a:schemeClr val="accent1"/>
+          </a:effectRef>
+          <a:fontRef idx="minor">
+            <a:schemeClr val="lt1"/>
+          </a:fontRef>
+        </p:style>
+        <p:txBody>
+          <a:bodyPr rtlCol="0" anchor="ctr"/>
+          <a:lstStyle/>
+          <a:p>
+            <a:pPr algn="ctr"/>
+            <a:r>
+              <a:rPr kumimoji="1" lang="en-US" altLang="ja-JP">
+                <a:solidFill>
+                  <a:schemeClr val="tx1"/>
+                </a:solidFill>
+              </a:rPr>
+              <a:t>z</a:t>
+            </a:r>
+            <a:endParaRPr kumimoji="1" lang="ja-JP" altLang="en-US">
+              <a:solidFill>
+                <a:schemeClr val="tx1"/>
+              </a:solidFill>
+            </a:endParaRPr>
+          </a:p>
+        </p:txBody>
+      </p:sp>
+      <p:sp>
+        <p:nvSpPr>
+          <p:cNvPr id="12" name="正方形/長方形 11">
+            <a:extLst>
+              <a:ext uri="{FF2B5EF4-FFF2-40B4-BE49-F238E27FC236}">
+                <a16:creationId xmlns:a16="http://schemas.microsoft.com/office/drawing/2014/main" id="{79B2AB3B-FABC-4C42-AC2D-D2D30F1B45FA}"/>
+              </a:ext>
+            </a:extLst>
+          </p:cNvPr>
+          <p:cNvSpPr/>
+          <p:nvPr/>
+        </p:nvSpPr>
+        <p:spPr>
+          <a:xfrm>
+            <a:off x="6177136" y="1556792"/>
+            <a:ext cx="504056" cy="504056"/>
+          </a:xfrm>
+          <a:prstGeom prst="rect">
+            <a:avLst/>
+          </a:prstGeom>
+          <a:noFill/>
+          <a:ln>
+            <a:solidFill>
+              <a:schemeClr val="tx1"/>
+            </a:solidFill>
+          </a:ln>
+        </p:spPr>
+        <p:style>
+          <a:lnRef idx="2">
+            <a:schemeClr val="accent1">
+              <a:shade val="50000"/>
+            </a:schemeClr>
+          </a:lnRef>
+          <a:fillRef idx="1">
+            <a:schemeClr val="accent1"/>
+          </a:fillRef>
+          <a:effectRef idx="0">
+            <a:schemeClr val="accent1"/>
+          </a:effectRef>
+          <a:fontRef idx="minor">
+            <a:schemeClr val="lt1"/>
+          </a:fontRef>
+        </p:style>
+        <p:txBody>
+          <a:bodyPr rtlCol="0" anchor="ctr"/>
+          <a:lstStyle/>
+          <a:p>
+            <a:pPr algn="ctr"/>
+            <a:r>
+              <a:rPr kumimoji="1" lang="en-US" altLang="ja-JP">
+                <a:solidFill>
+                  <a:schemeClr val="tx1"/>
+                </a:solidFill>
+              </a:rPr>
+              <a:t>y</a:t>
+            </a:r>
+            <a:endParaRPr kumimoji="1" lang="ja-JP" altLang="en-US">
+              <a:solidFill>
+                <a:schemeClr val="tx1"/>
+              </a:solidFill>
+            </a:endParaRPr>
+          </a:p>
+        </p:txBody>
+      </p:sp>
+      <p:sp>
+        <p:nvSpPr>
+          <p:cNvPr id="13" name="正方形/長方形 12">
+            <a:extLst>
+              <a:ext uri="{FF2B5EF4-FFF2-40B4-BE49-F238E27FC236}">
+                <a16:creationId xmlns:a16="http://schemas.microsoft.com/office/drawing/2014/main" id="{896FAB4C-F11E-5244-9018-EC06698F63DC}"/>
+              </a:ext>
+            </a:extLst>
+          </p:cNvPr>
+          <p:cNvSpPr/>
+          <p:nvPr/>
+        </p:nvSpPr>
+        <p:spPr>
+          <a:xfrm>
+            <a:off x="6681192" y="1556792"/>
+            <a:ext cx="504056" cy="504056"/>
+          </a:xfrm>
+          <a:prstGeom prst="rect">
+            <a:avLst/>
+          </a:prstGeom>
+          <a:noFill/>
+          <a:ln>
+            <a:solidFill>
+              <a:schemeClr val="tx1"/>
+            </a:solidFill>
+          </a:ln>
+        </p:spPr>
+        <p:style>
+          <a:lnRef idx="2">
+            <a:schemeClr val="accent1">
+              <a:shade val="50000"/>
+            </a:schemeClr>
+          </a:lnRef>
+          <a:fillRef idx="1">
+            <a:schemeClr val="accent1"/>
+          </a:fillRef>
+          <a:effectRef idx="0">
+            <a:schemeClr val="accent1"/>
+          </a:effectRef>
+          <a:fontRef idx="minor">
+            <a:schemeClr val="lt1"/>
+          </a:fontRef>
+        </p:style>
+        <p:txBody>
+          <a:bodyPr rtlCol="0" anchor="ctr"/>
+          <a:lstStyle/>
+          <a:p>
+            <a:pPr algn="ctr"/>
+            <a:r>
+              <a:rPr kumimoji="1" lang="en-US" altLang="ja-JP">
+                <a:solidFill>
+                  <a:schemeClr val="tx1"/>
+                </a:solidFill>
+              </a:rPr>
+              <a:t>x</a:t>
+            </a:r>
+            <a:endParaRPr kumimoji="1" lang="ja-JP" altLang="en-US">
+              <a:solidFill>
+                <a:schemeClr val="tx1"/>
+              </a:solidFill>
+            </a:endParaRPr>
+          </a:p>
+        </p:txBody>
+      </p:sp>
+      <p:sp>
+        <p:nvSpPr>
+          <p:cNvPr id="14" name="正方形/長方形 13">
+            <a:extLst>
+              <a:ext uri="{FF2B5EF4-FFF2-40B4-BE49-F238E27FC236}">
+                <a16:creationId xmlns:a16="http://schemas.microsoft.com/office/drawing/2014/main" id="{104A163A-DCD6-E142-8030-A559EBD4F460}"/>
+              </a:ext>
+            </a:extLst>
+          </p:cNvPr>
+          <p:cNvSpPr/>
+          <p:nvPr/>
+        </p:nvSpPr>
+        <p:spPr>
+          <a:xfrm>
+            <a:off x="3152800" y="2924944"/>
+            <a:ext cx="504056" cy="504056"/>
+          </a:xfrm>
+          <a:prstGeom prst="rect">
+            <a:avLst/>
+          </a:prstGeom>
+          <a:noFill/>
+          <a:ln>
+            <a:solidFill>
+              <a:schemeClr val="tx1"/>
+            </a:solidFill>
+          </a:ln>
+        </p:spPr>
+        <p:style>
+          <a:lnRef idx="2">
+            <a:schemeClr val="accent1">
+              <a:shade val="50000"/>
+            </a:schemeClr>
+          </a:lnRef>
+          <a:fillRef idx="1">
+            <a:schemeClr val="accent1"/>
+          </a:fillRef>
+          <a:effectRef idx="0">
+            <a:schemeClr val="accent1"/>
+          </a:effectRef>
+          <a:fontRef idx="minor">
+            <a:schemeClr val="lt1"/>
+          </a:fontRef>
+        </p:style>
+        <p:txBody>
+          <a:bodyPr rtlCol="0" anchor="ctr"/>
+          <a:lstStyle/>
+          <a:p>
+            <a:pPr algn="ctr"/>
+            <a:endParaRPr kumimoji="1" lang="ja-JP" altLang="en-US">
+              <a:solidFill>
+                <a:schemeClr val="tx1"/>
+              </a:solidFill>
+            </a:endParaRPr>
+          </a:p>
+        </p:txBody>
+      </p:sp>
+      <p:sp>
+        <p:nvSpPr>
+          <p:cNvPr id="15" name="正方形/長方形 14">
+            <a:extLst>
+              <a:ext uri="{FF2B5EF4-FFF2-40B4-BE49-F238E27FC236}">
+                <a16:creationId xmlns:a16="http://schemas.microsoft.com/office/drawing/2014/main" id="{51197534-5923-4743-A124-E15B05284933}"/>
+              </a:ext>
+            </a:extLst>
+          </p:cNvPr>
+          <p:cNvSpPr/>
+          <p:nvPr/>
+        </p:nvSpPr>
+        <p:spPr>
+          <a:xfrm>
+            <a:off x="3656856" y="2924944"/>
+            <a:ext cx="504056" cy="504056"/>
+          </a:xfrm>
+          <a:prstGeom prst="rect">
+            <a:avLst/>
+          </a:prstGeom>
+          <a:noFill/>
+          <a:ln>
+            <a:solidFill>
+              <a:schemeClr val="tx1"/>
+            </a:solidFill>
+          </a:ln>
+        </p:spPr>
+        <p:style>
+          <a:lnRef idx="2">
+            <a:schemeClr val="accent1">
+              <a:shade val="50000"/>
+            </a:schemeClr>
+          </a:lnRef>
+          <a:fillRef idx="1">
+            <a:schemeClr val="accent1"/>
+          </a:fillRef>
+          <a:effectRef idx="0">
+            <a:schemeClr val="accent1"/>
+          </a:effectRef>
+          <a:fontRef idx="minor">
+            <a:schemeClr val="lt1"/>
+          </a:fontRef>
+        </p:style>
+        <p:txBody>
+          <a:bodyPr rtlCol="0" anchor="ctr"/>
+          <a:lstStyle/>
+          <a:p>
+            <a:pPr algn="ctr"/>
+            <a:r>
+              <a:rPr kumimoji="1" lang="en-US" altLang="ja-JP">
+                <a:solidFill>
+                  <a:schemeClr val="tx1"/>
+                </a:solidFill>
+              </a:rPr>
+              <a:t>z</a:t>
+            </a:r>
+            <a:endParaRPr kumimoji="1" lang="ja-JP" altLang="en-US">
+              <a:solidFill>
+                <a:schemeClr val="tx1"/>
+              </a:solidFill>
+            </a:endParaRPr>
+          </a:p>
+        </p:txBody>
+      </p:sp>
+      <p:sp>
+        <p:nvSpPr>
+          <p:cNvPr id="16" name="正方形/長方形 15">
+            <a:extLst>
+              <a:ext uri="{FF2B5EF4-FFF2-40B4-BE49-F238E27FC236}">
+                <a16:creationId xmlns:a16="http://schemas.microsoft.com/office/drawing/2014/main" id="{E9BEF369-DA9B-CF44-8ED4-FFCD95EE18F6}"/>
+              </a:ext>
+            </a:extLst>
+          </p:cNvPr>
+          <p:cNvSpPr/>
+          <p:nvPr/>
+        </p:nvSpPr>
+        <p:spPr>
+          <a:xfrm>
+            <a:off x="4160912" y="2924944"/>
+            <a:ext cx="504056" cy="504056"/>
+          </a:xfrm>
+          <a:prstGeom prst="rect">
+            <a:avLst/>
+          </a:prstGeom>
+          <a:noFill/>
+          <a:ln>
+            <a:solidFill>
+              <a:schemeClr val="tx1"/>
+            </a:solidFill>
+          </a:ln>
+        </p:spPr>
+        <p:style>
+          <a:lnRef idx="2">
+            <a:schemeClr val="accent1">
+              <a:shade val="50000"/>
+            </a:schemeClr>
+          </a:lnRef>
+          <a:fillRef idx="1">
+            <a:schemeClr val="accent1"/>
+          </a:fillRef>
+          <a:effectRef idx="0">
+            <a:schemeClr val="accent1"/>
+          </a:effectRef>
+          <a:fontRef idx="minor">
+            <a:schemeClr val="lt1"/>
+          </a:fontRef>
+        </p:style>
+        <p:txBody>
+          <a:bodyPr rtlCol="0" anchor="ctr"/>
+          <a:lstStyle/>
+          <a:p>
+            <a:pPr algn="ctr"/>
+            <a:r>
+              <a:rPr kumimoji="1" lang="en-US" altLang="ja-JP">
+                <a:solidFill>
+                  <a:schemeClr val="tx1"/>
+                </a:solidFill>
+              </a:rPr>
+              <a:t>y</a:t>
+            </a:r>
+            <a:endParaRPr kumimoji="1" lang="ja-JP" altLang="en-US">
+              <a:solidFill>
+                <a:schemeClr val="tx1"/>
+              </a:solidFill>
+            </a:endParaRPr>
+          </a:p>
+        </p:txBody>
+      </p:sp>
+      <p:sp>
+        <p:nvSpPr>
+          <p:cNvPr id="17" name="正方形/長方形 16">
+            <a:extLst>
+              <a:ext uri="{FF2B5EF4-FFF2-40B4-BE49-F238E27FC236}">
+                <a16:creationId xmlns:a16="http://schemas.microsoft.com/office/drawing/2014/main" id="{1EAED7F2-5937-5E4A-83ED-7FB12B1A7E1B}"/>
+              </a:ext>
+            </a:extLst>
+          </p:cNvPr>
+          <p:cNvSpPr/>
+          <p:nvPr/>
+        </p:nvSpPr>
+        <p:spPr>
+          <a:xfrm>
+            <a:off x="4664968" y="2924944"/>
+            <a:ext cx="504056" cy="504056"/>
+          </a:xfrm>
+          <a:prstGeom prst="rect">
+            <a:avLst/>
+          </a:prstGeom>
+          <a:noFill/>
+          <a:ln>
+            <a:solidFill>
+              <a:schemeClr val="tx1"/>
+            </a:solidFill>
+          </a:ln>
+        </p:spPr>
+        <p:style>
+          <a:lnRef idx="2">
+            <a:schemeClr val="accent1">
+              <a:shade val="50000"/>
+            </a:schemeClr>
+          </a:lnRef>
+          <a:fillRef idx="1">
+            <a:schemeClr val="accent1"/>
+          </a:fillRef>
+          <a:effectRef idx="0">
+            <a:schemeClr val="accent1"/>
+          </a:effectRef>
+          <a:fontRef idx="minor">
+            <a:schemeClr val="lt1"/>
+          </a:fontRef>
+        </p:style>
+        <p:txBody>
+          <a:bodyPr rtlCol="0" anchor="ctr"/>
+          <a:lstStyle/>
+          <a:p>
+            <a:pPr algn="ctr"/>
+            <a:r>
+              <a:rPr kumimoji="1" lang="en-US" altLang="ja-JP">
+                <a:solidFill>
+                  <a:schemeClr val="tx1"/>
+                </a:solidFill>
+              </a:rPr>
+              <a:t>x</a:t>
+            </a:r>
+            <a:endParaRPr kumimoji="1" lang="ja-JP" altLang="en-US">
+              <a:solidFill>
+                <a:schemeClr val="tx1"/>
+              </a:solidFill>
+            </a:endParaRPr>
+          </a:p>
+        </p:txBody>
+      </p:sp>
+      <p:sp>
+        <p:nvSpPr>
+          <p:cNvPr id="18" name="下矢印 17">
+            <a:extLst>
+              <a:ext uri="{FF2B5EF4-FFF2-40B4-BE49-F238E27FC236}">
+                <a16:creationId xmlns:a16="http://schemas.microsoft.com/office/drawing/2014/main" id="{AA48D07F-D839-CD4B-9258-11D473255823}"/>
+              </a:ext>
+            </a:extLst>
+          </p:cNvPr>
+          <p:cNvSpPr/>
+          <p:nvPr/>
+        </p:nvSpPr>
+        <p:spPr>
+          <a:xfrm>
+            <a:off x="3944888" y="2348880"/>
+            <a:ext cx="432048" cy="360040"/>
+          </a:xfrm>
+          <a:prstGeom prst="downArrow">
+            <a:avLst/>
+          </a:prstGeom>
+          <a:solidFill>
+            <a:srgbClr val="FF0000"/>
+          </a:solidFill>
+          <a:ln>
+            <a:solidFill>
+              <a:schemeClr val="tx1"/>
+            </a:solidFill>
+          </a:ln>
+        </p:spPr>
+        <p:style>
+          <a:lnRef idx="2">
+            <a:schemeClr val="accent1">
+              <a:shade val="50000"/>
+            </a:schemeClr>
+          </a:lnRef>
+          <a:fillRef idx="1">
+            <a:schemeClr val="accent1"/>
+          </a:fillRef>
+          <a:effectRef idx="0">
+            <a:schemeClr val="accent1"/>
+          </a:effectRef>
+          <a:fontRef idx="minor">
+            <a:schemeClr val="lt1"/>
+          </a:fontRef>
+        </p:style>
+        <p:txBody>
+          <a:bodyPr rtlCol="0" anchor="ctr"/>
+          <a:lstStyle/>
+          <a:p>
+            <a:pPr algn="ctr"/>
+            <a:endParaRPr kumimoji="1" lang="ja-JP" altLang="en-US"/>
+          </a:p>
+        </p:txBody>
+      </p:sp>
+      <p:sp>
+        <p:nvSpPr>
+          <p:cNvPr id="19" name="正方形/長方形 18">
+            <a:extLst>
+              <a:ext uri="{FF2B5EF4-FFF2-40B4-BE49-F238E27FC236}">
+                <a16:creationId xmlns:a16="http://schemas.microsoft.com/office/drawing/2014/main" id="{64B6C3A1-1730-3F43-9217-3E09B667FB75}"/>
+              </a:ext>
+            </a:extLst>
+          </p:cNvPr>
+          <p:cNvSpPr/>
+          <p:nvPr/>
+        </p:nvSpPr>
+        <p:spPr>
+          <a:xfrm>
+            <a:off x="4664968" y="2132856"/>
+            <a:ext cx="2114681" cy="646331"/>
+          </a:xfrm>
+          <a:prstGeom prst="rect">
+            <a:avLst/>
+          </a:prstGeom>
+        </p:spPr>
+        <p:txBody>
+          <a:bodyPr wrap="none">
+            <a:spAutoFit/>
+          </a:bodyPr>
+          <a:lstStyle/>
+          <a:p>
+            <a:pPr algn="ctr"/>
+            <a:r>
+              <a:rPr lang="en" altLang="ja-JP">
+                <a:effectLst/>
+                <a:latin typeface="Monaco" pitchFamily="2" charset="0"/>
+              </a:rPr>
+              <a:t>_mm256_load_pd</a:t>
+            </a:r>
+          </a:p>
+          <a:p>
+            <a:pPr algn="ctr"/>
+            <a:r>
+              <a:rPr lang="en" altLang="ja-JP">
+                <a:effectLst/>
+                <a:latin typeface="Monaco" pitchFamily="2" charset="0"/>
+              </a:rPr>
+              <a:t>(vmovapd)</a:t>
+            </a:r>
+          </a:p>
+        </p:txBody>
+      </p:sp>
+      <p:sp>
+        <p:nvSpPr>
+          <p:cNvPr id="20" name="正方形/長方形 19">
+            <a:extLst>
+              <a:ext uri="{FF2B5EF4-FFF2-40B4-BE49-F238E27FC236}">
+                <a16:creationId xmlns:a16="http://schemas.microsoft.com/office/drawing/2014/main" id="{DD3CF0DC-6BDB-BF44-A5C5-F05B1C91A510}"/>
+              </a:ext>
+            </a:extLst>
+          </p:cNvPr>
+          <p:cNvSpPr/>
+          <p:nvPr/>
+        </p:nvSpPr>
+        <p:spPr>
+          <a:xfrm>
+            <a:off x="4448944" y="620688"/>
+            <a:ext cx="1425390" cy="369332"/>
+          </a:xfrm>
+          <a:prstGeom prst="rect">
+            <a:avLst/>
+          </a:prstGeom>
+        </p:spPr>
+        <p:txBody>
+          <a:bodyPr wrap="none">
+            <a:spAutoFit/>
+          </a:bodyPr>
+          <a:lstStyle/>
+          <a:p>
+            <a:r>
+              <a:rPr lang="en" altLang="ja-JP">
+                <a:effectLst/>
+                <a:latin typeface="Monaco" pitchFamily="2" charset="0"/>
+              </a:rPr>
+              <a:t>&amp;(v[i].x)</a:t>
+            </a:r>
+          </a:p>
+        </p:txBody>
+      </p:sp>
+      <p:cxnSp>
+        <p:nvCxnSpPr>
+          <p:cNvPr id="22" name="直線矢印コネクタ 21">
+            <a:extLst>
+              <a:ext uri="{FF2B5EF4-FFF2-40B4-BE49-F238E27FC236}">
+                <a16:creationId xmlns:a16="http://schemas.microsoft.com/office/drawing/2014/main" id="{8D566827-85D3-024D-ADFD-98150F71B4BF}"/>
+              </a:ext>
+            </a:extLst>
+          </p:cNvPr>
+          <p:cNvCxnSpPr>
+            <a:cxnSpLocks/>
+          </p:cNvCxnSpPr>
+          <p:nvPr/>
+        </p:nvCxnSpPr>
+        <p:spPr>
+          <a:xfrm>
+            <a:off x="5169024" y="1052736"/>
+            <a:ext cx="0" cy="504056"/>
+          </a:xfrm>
+          <a:prstGeom prst="straightConnector1">
+            <a:avLst/>
+          </a:prstGeom>
+          <a:ln>
+            <a:solidFill>
+              <a:schemeClr val="tx1"/>
+            </a:solidFill>
+            <a:tailEnd type="triangle"/>
+          </a:ln>
+        </p:spPr>
+        <p:style>
+          <a:lnRef idx="1">
+            <a:schemeClr val="accent1"/>
+          </a:lnRef>
+          <a:fillRef idx="0">
+            <a:schemeClr val="accent1"/>
+          </a:fillRef>
+          <a:effectRef idx="0">
+            <a:schemeClr val="accent1"/>
+          </a:effectRef>
+          <a:fontRef idx="minor">
+            <a:schemeClr val="tx1"/>
+          </a:fontRef>
+        </p:style>
+      </p:cxnSp>
+    </p:spTree>
+    <p:extLst>
+      <p:ext uri="{BB962C8B-B14F-4D97-AF65-F5344CB8AC3E}">
+        <p14:creationId xmlns:p14="http://schemas.microsoft.com/office/powerpoint/2010/main" val="3277191283"/>
+      </p:ext>
+    </p:extLst>
+  </p:cSld>
+  <p:clrMapOvr>
+    <a:masterClrMapping/>
+  </p:clrMapOvr>
+</p:sld>
+</file>
+
+<file path=ppt/slides/slide3.xml><?xml version="1.0" encoding="utf-8"?>
+<p:sld xmlns:a="http://schemas.openxmlformats.org/drawingml/2006/main" xmlns:r="http://schemas.openxmlformats.org/officeDocument/2006/relationships" xmlns:p="http://schemas.openxmlformats.org/presentationml/2006/main">
+  <p:cSld>
+    <p:spTree>
+      <p:nvGrpSpPr>
+        <p:cNvPr id="1" name=""/>
+        <p:cNvGrpSpPr/>
+        <p:nvPr/>
+      </p:nvGrpSpPr>
+      <p:grpSpPr>
+        <a:xfrm>
+          <a:off x="0" y="0"/>
+          <a:ext cx="0" cy="0"/>
+          <a:chOff x="0" y="0"/>
+          <a:chExt cx="0" cy="0"/>
+        </a:xfrm>
+      </p:grpSpPr>
+      <p:sp>
+        <p:nvSpPr>
+          <p:cNvPr id="2" name="正方形/長方形 1">
+            <a:extLst>
+              <a:ext uri="{FF2B5EF4-FFF2-40B4-BE49-F238E27FC236}">
+                <a16:creationId xmlns:a16="http://schemas.microsoft.com/office/drawing/2014/main" id="{2744D12A-A381-2C4F-A4E6-B6B0DBC397DA}"/>
+              </a:ext>
+            </a:extLst>
+          </p:cNvPr>
+          <p:cNvSpPr/>
+          <p:nvPr/>
+        </p:nvSpPr>
+        <p:spPr>
+          <a:xfrm>
+            <a:off x="1280592" y="260648"/>
+            <a:ext cx="6048672" cy="923330"/>
+          </a:xfrm>
+          <a:prstGeom prst="rect">
+            <a:avLst/>
+          </a:prstGeom>
+          <a:ln>
+            <a:solidFill>
+              <a:schemeClr val="tx1"/>
+            </a:solidFill>
+          </a:ln>
+        </p:spPr>
+        <p:txBody>
+          <a:bodyPr wrap="square">
+            <a:spAutoFit/>
+          </a:bodyPr>
+          <a:lstStyle/>
+          <a:p>
+            <a:r>
+              <a:rPr lang="en" altLang="ja-JP">
+                <a:effectLst/>
+                <a:latin typeface="Monaco" pitchFamily="2" charset="0"/>
+              </a:rPr>
+              <a:t>double px = v[i].y * BZ - v[i].z * BY;</a:t>
+            </a:r>
+          </a:p>
+          <a:p>
+            <a:r>
+              <a:rPr lang="en" altLang="ja-JP">
+                <a:effectLst/>
+                <a:latin typeface="Monaco" pitchFamily="2" charset="0"/>
+              </a:rPr>
+              <a:t>double py = v[i].z * BX - v[i].x * BZ;</a:t>
+            </a:r>
+          </a:p>
+          <a:p>
+            <a:r>
+              <a:rPr lang="en" altLang="ja-JP">
+                <a:effectLst/>
+                <a:latin typeface="Monaco" pitchFamily="2" charset="0"/>
+              </a:rPr>
+              <a:t>double pz = v[i].x * BY - v[i].y * BX;</a:t>
+            </a:r>
+          </a:p>
+        </p:txBody>
+      </p:sp>
+      <p:grpSp>
+        <p:nvGrpSpPr>
+          <p:cNvPr id="23" name="グループ化 22">
+            <a:extLst>
+              <a:ext uri="{FF2B5EF4-FFF2-40B4-BE49-F238E27FC236}">
+                <a16:creationId xmlns:a16="http://schemas.microsoft.com/office/drawing/2014/main" id="{C68B5C8C-0CBC-E748-9E9E-E0A71BDE5EC7}"/>
+              </a:ext>
+            </a:extLst>
+          </p:cNvPr>
+          <p:cNvGrpSpPr/>
+          <p:nvPr/>
+        </p:nvGrpSpPr>
+        <p:grpSpPr>
+          <a:xfrm>
+            <a:off x="1856656" y="1412776"/>
+            <a:ext cx="504056" cy="2016224"/>
+            <a:chOff x="416496" y="1916832"/>
+            <a:chExt cx="504056" cy="2016224"/>
+          </a:xfrm>
+        </p:grpSpPr>
+        <p:sp>
+          <p:nvSpPr>
+            <p:cNvPr id="3" name="正方形/長方形 2">
+              <a:extLst>
+                <a:ext uri="{FF2B5EF4-FFF2-40B4-BE49-F238E27FC236}">
+                  <a16:creationId xmlns:a16="http://schemas.microsoft.com/office/drawing/2014/main" id="{55AFAED7-8DC2-C241-B960-B7BC9E5BA5A2}"/>
+                </a:ext>
+              </a:extLst>
+            </p:cNvPr>
+            <p:cNvSpPr/>
+            <p:nvPr/>
+          </p:nvSpPr>
+          <p:spPr>
+            <a:xfrm>
+              <a:off x="416496" y="1916832"/>
+              <a:ext cx="504056" cy="504056"/>
+            </a:xfrm>
+            <a:prstGeom prst="rect">
+              <a:avLst/>
+            </a:prstGeom>
+            <a:solidFill>
+              <a:schemeClr val="bg1"/>
+            </a:solidFill>
+            <a:ln>
+              <a:solidFill>
+                <a:schemeClr val="tx1"/>
+              </a:solidFill>
+            </a:ln>
+          </p:spPr>
+          <p:style>
+            <a:lnRef idx="2">
+              <a:schemeClr val="accent1">
+                <a:shade val="50000"/>
+              </a:schemeClr>
+            </a:lnRef>
+            <a:fillRef idx="1">
+              <a:schemeClr val="accent1"/>
+            </a:fillRef>
+            <a:effectRef idx="0">
+              <a:schemeClr val="accent1"/>
+            </a:effectRef>
+            <a:fontRef idx="minor">
+              <a:schemeClr val="lt1"/>
+            </a:fontRef>
+          </p:style>
+          <p:txBody>
+            <a:bodyPr rtlCol="0" anchor="ctr"/>
+            <a:lstStyle/>
+            <a:p>
+              <a:pPr algn="ctr"/>
+              <a:endParaRPr kumimoji="1" lang="ja-JP" altLang="en-US">
+                <a:solidFill>
+                  <a:schemeClr val="tx1"/>
+                </a:solidFill>
+              </a:endParaRPr>
+            </a:p>
+          </p:txBody>
+        </p:sp>
+        <p:sp>
+          <p:nvSpPr>
+            <p:cNvPr id="4" name="正方形/長方形 3">
+              <a:extLst>
+                <a:ext uri="{FF2B5EF4-FFF2-40B4-BE49-F238E27FC236}">
+                  <a16:creationId xmlns:a16="http://schemas.microsoft.com/office/drawing/2014/main" id="{2D42ABD7-445F-D347-B4D1-78B2BEAA5496}"/>
+                </a:ext>
+              </a:extLst>
+            </p:cNvPr>
+            <p:cNvSpPr/>
+            <p:nvPr/>
+          </p:nvSpPr>
+          <p:spPr>
+            <a:xfrm>
+              <a:off x="416496" y="2420888"/>
+              <a:ext cx="504056" cy="504056"/>
+            </a:xfrm>
+            <a:prstGeom prst="rect">
+              <a:avLst/>
+            </a:prstGeom>
+            <a:solidFill>
+              <a:schemeClr val="bg1"/>
+            </a:solidFill>
+            <a:ln>
+              <a:solidFill>
+                <a:schemeClr val="tx1"/>
+              </a:solidFill>
+            </a:ln>
+          </p:spPr>
+          <p:style>
+            <a:lnRef idx="2">
+              <a:schemeClr val="accent1">
+                <a:shade val="50000"/>
+              </a:schemeClr>
+            </a:lnRef>
+            <a:fillRef idx="1">
+              <a:schemeClr val="accent1"/>
+            </a:fillRef>
+            <a:effectRef idx="0">
+              <a:schemeClr val="accent1"/>
+            </a:effectRef>
+            <a:fontRef idx="minor">
+              <a:schemeClr val="lt1"/>
+            </a:fontRef>
+          </p:style>
+          <p:txBody>
+            <a:bodyPr rtlCol="0" anchor="ctr"/>
+            <a:lstStyle/>
+            <a:p>
+              <a:pPr algn="ctr"/>
+              <a:r>
+                <a:rPr kumimoji="1" lang="en-US" altLang="ja-JP">
+                  <a:solidFill>
+                    <a:schemeClr val="tx1"/>
+                  </a:solidFill>
+                </a:rPr>
+                <a:t>pz</a:t>
+              </a:r>
+              <a:endParaRPr kumimoji="1" lang="ja-JP" altLang="en-US">
+                <a:solidFill>
+                  <a:schemeClr val="tx1"/>
+                </a:solidFill>
+              </a:endParaRPr>
+            </a:p>
+          </p:txBody>
+        </p:sp>
+        <p:sp>
+          <p:nvSpPr>
+            <p:cNvPr id="5" name="正方形/長方形 4">
+              <a:extLst>
+                <a:ext uri="{FF2B5EF4-FFF2-40B4-BE49-F238E27FC236}">
+                  <a16:creationId xmlns:a16="http://schemas.microsoft.com/office/drawing/2014/main" id="{984AF166-1FE0-B840-8E25-64F603777C27}"/>
+                </a:ext>
+              </a:extLst>
+            </p:cNvPr>
+            <p:cNvSpPr/>
+            <p:nvPr/>
+          </p:nvSpPr>
+          <p:spPr>
+            <a:xfrm>
+              <a:off x="416496" y="2924944"/>
+              <a:ext cx="504056" cy="504056"/>
+            </a:xfrm>
+            <a:prstGeom prst="rect">
+              <a:avLst/>
+            </a:prstGeom>
+            <a:solidFill>
+              <a:schemeClr val="bg1"/>
+            </a:solidFill>
+            <a:ln>
+              <a:solidFill>
+                <a:schemeClr val="tx1"/>
+              </a:solidFill>
+            </a:ln>
+          </p:spPr>
+          <p:style>
+            <a:lnRef idx="2">
+              <a:schemeClr val="accent1">
+                <a:shade val="50000"/>
+              </a:schemeClr>
+            </a:lnRef>
+            <a:fillRef idx="1">
+              <a:schemeClr val="accent1"/>
+            </a:fillRef>
+            <a:effectRef idx="0">
+              <a:schemeClr val="accent1"/>
+            </a:effectRef>
+            <a:fontRef idx="minor">
+              <a:schemeClr val="lt1"/>
+            </a:fontRef>
+          </p:style>
+          <p:txBody>
+            <a:bodyPr rtlCol="0" anchor="ctr"/>
+            <a:lstStyle/>
+            <a:p>
+              <a:pPr algn="ctr"/>
+              <a:r>
+                <a:rPr kumimoji="1" lang="en-US" altLang="ja-JP">
+                  <a:solidFill>
+                    <a:schemeClr val="tx1"/>
+                  </a:solidFill>
+                </a:rPr>
+                <a:t>py</a:t>
+              </a:r>
+              <a:endParaRPr kumimoji="1" lang="ja-JP" altLang="en-US">
+                <a:solidFill>
+                  <a:schemeClr val="tx1"/>
+                </a:solidFill>
+              </a:endParaRPr>
+            </a:p>
+          </p:txBody>
+        </p:sp>
+        <p:sp>
+          <p:nvSpPr>
+            <p:cNvPr id="6" name="正方形/長方形 5">
+              <a:extLst>
+                <a:ext uri="{FF2B5EF4-FFF2-40B4-BE49-F238E27FC236}">
+                  <a16:creationId xmlns:a16="http://schemas.microsoft.com/office/drawing/2014/main" id="{1C107D70-A60B-304A-99AF-F6C58B58AFB9}"/>
+                </a:ext>
+              </a:extLst>
+            </p:cNvPr>
+            <p:cNvSpPr/>
+            <p:nvPr/>
+          </p:nvSpPr>
+          <p:spPr>
+            <a:xfrm>
+              <a:off x="416496" y="3429000"/>
+              <a:ext cx="504056" cy="504056"/>
+            </a:xfrm>
+            <a:prstGeom prst="rect">
+              <a:avLst/>
+            </a:prstGeom>
+            <a:solidFill>
+              <a:schemeClr val="bg1"/>
+            </a:solidFill>
+            <a:ln>
+              <a:solidFill>
+                <a:schemeClr val="tx1"/>
+              </a:solidFill>
+            </a:ln>
+          </p:spPr>
+          <p:style>
+            <a:lnRef idx="2">
+              <a:schemeClr val="accent1">
+                <a:shade val="50000"/>
+              </a:schemeClr>
+            </a:lnRef>
+            <a:fillRef idx="1">
+              <a:schemeClr val="accent1"/>
+            </a:fillRef>
+            <a:effectRef idx="0">
+              <a:schemeClr val="accent1"/>
+            </a:effectRef>
+            <a:fontRef idx="minor">
+              <a:schemeClr val="lt1"/>
+            </a:fontRef>
+          </p:style>
+          <p:txBody>
+            <a:bodyPr rtlCol="0" anchor="ctr"/>
+            <a:lstStyle/>
+            <a:p>
+              <a:pPr algn="ctr"/>
+              <a:r>
+                <a:rPr kumimoji="1" lang="en-US" altLang="ja-JP">
+                  <a:solidFill>
+                    <a:schemeClr val="tx1"/>
+                  </a:solidFill>
+                </a:rPr>
+                <a:t>px</a:t>
+              </a:r>
+              <a:endParaRPr kumimoji="1" lang="ja-JP" altLang="en-US">
+                <a:solidFill>
+                  <a:schemeClr val="tx1"/>
+                </a:solidFill>
+              </a:endParaRPr>
+            </a:p>
+          </p:txBody>
+        </p:sp>
+      </p:grpSp>
+      <p:grpSp>
+        <p:nvGrpSpPr>
+          <p:cNvPr id="24" name="グループ化 23">
+            <a:extLst>
+              <a:ext uri="{FF2B5EF4-FFF2-40B4-BE49-F238E27FC236}">
+                <a16:creationId xmlns:a16="http://schemas.microsoft.com/office/drawing/2014/main" id="{1D42C249-BEE0-4C4C-8B46-B2BDE8C01C06}"/>
+              </a:ext>
+            </a:extLst>
+          </p:cNvPr>
+          <p:cNvGrpSpPr/>
+          <p:nvPr/>
+        </p:nvGrpSpPr>
+        <p:grpSpPr>
+          <a:xfrm>
+            <a:off x="2936776" y="1412776"/>
+            <a:ext cx="504056" cy="2016224"/>
+            <a:chOff x="1280592" y="1916832"/>
+            <a:chExt cx="504056" cy="2016224"/>
+          </a:xfrm>
+        </p:grpSpPr>
+        <p:sp>
+          <p:nvSpPr>
+            <p:cNvPr id="7" name="正方形/長方形 6">
+              <a:extLst>
+                <a:ext uri="{FF2B5EF4-FFF2-40B4-BE49-F238E27FC236}">
+                  <a16:creationId xmlns:a16="http://schemas.microsoft.com/office/drawing/2014/main" id="{903ECC5D-5262-7942-B292-FB949CFEB0E3}"/>
+                </a:ext>
+              </a:extLst>
+            </p:cNvPr>
+            <p:cNvSpPr/>
+            <p:nvPr/>
+          </p:nvSpPr>
+          <p:spPr>
+            <a:xfrm>
+              <a:off x="1280592" y="1916832"/>
+              <a:ext cx="504056" cy="504056"/>
+            </a:xfrm>
+            <a:prstGeom prst="rect">
+              <a:avLst/>
+            </a:prstGeom>
+            <a:solidFill>
+              <a:schemeClr val="bg1"/>
+            </a:solidFill>
+            <a:ln>
+              <a:solidFill>
+                <a:schemeClr val="tx1"/>
+              </a:solidFill>
+            </a:ln>
+          </p:spPr>
+          <p:style>
+            <a:lnRef idx="2">
+              <a:schemeClr val="accent1">
+                <a:shade val="50000"/>
+              </a:schemeClr>
+            </a:lnRef>
+            <a:fillRef idx="1">
+              <a:schemeClr val="accent1"/>
+            </a:fillRef>
+            <a:effectRef idx="0">
+              <a:schemeClr val="accent1"/>
+            </a:effectRef>
+            <a:fontRef idx="minor">
+              <a:schemeClr val="lt1"/>
+            </a:fontRef>
+          </p:style>
+          <p:txBody>
+            <a:bodyPr rtlCol="0" anchor="ctr"/>
+            <a:lstStyle/>
+            <a:p>
+              <a:pPr algn="ctr"/>
+              <a:endParaRPr kumimoji="1" lang="ja-JP" altLang="en-US">
+                <a:solidFill>
+                  <a:schemeClr val="tx1"/>
+                </a:solidFill>
+              </a:endParaRPr>
+            </a:p>
+          </p:txBody>
+        </p:sp>
+        <p:sp>
+          <p:nvSpPr>
+            <p:cNvPr id="8" name="正方形/長方形 7">
+              <a:extLst>
+                <a:ext uri="{FF2B5EF4-FFF2-40B4-BE49-F238E27FC236}">
+                  <a16:creationId xmlns:a16="http://schemas.microsoft.com/office/drawing/2014/main" id="{F67E5F97-B741-0343-9BCA-0C9054A9A7CB}"/>
+                </a:ext>
+              </a:extLst>
+            </p:cNvPr>
+            <p:cNvSpPr/>
+            <p:nvPr/>
+          </p:nvSpPr>
+          <p:spPr>
+            <a:xfrm>
+              <a:off x="1280592" y="2420888"/>
+              <a:ext cx="504056" cy="504056"/>
+            </a:xfrm>
+            <a:prstGeom prst="rect">
+              <a:avLst/>
+            </a:prstGeom>
+            <a:solidFill>
+              <a:schemeClr val="bg1"/>
+            </a:solidFill>
+            <a:ln>
+              <a:solidFill>
+                <a:schemeClr val="tx1"/>
+              </a:solidFill>
+            </a:ln>
+          </p:spPr>
+          <p:style>
+            <a:lnRef idx="2">
+              <a:schemeClr val="accent1">
+                <a:shade val="50000"/>
+              </a:schemeClr>
+            </a:lnRef>
+            <a:fillRef idx="1">
+              <a:schemeClr val="accent1"/>
+            </a:fillRef>
+            <a:effectRef idx="0">
+              <a:schemeClr val="accent1"/>
+            </a:effectRef>
+            <a:fontRef idx="minor">
+              <a:schemeClr val="lt1"/>
+            </a:fontRef>
+          </p:style>
+          <p:txBody>
+            <a:bodyPr rtlCol="0" anchor="ctr"/>
+            <a:lstStyle/>
+            <a:p>
+              <a:pPr algn="ctr"/>
+              <a:r>
+                <a:rPr lang="en-US" altLang="ja-JP">
+                  <a:solidFill>
+                    <a:schemeClr val="tx1"/>
+                  </a:solidFill>
+                </a:rPr>
+                <a:t>vx</a:t>
+              </a:r>
+              <a:endParaRPr kumimoji="1" lang="ja-JP" altLang="en-US">
+                <a:solidFill>
+                  <a:schemeClr val="tx1"/>
+                </a:solidFill>
+              </a:endParaRPr>
+            </a:p>
+          </p:txBody>
+        </p:sp>
+        <p:sp>
+          <p:nvSpPr>
+            <p:cNvPr id="9" name="正方形/長方形 8">
+              <a:extLst>
+                <a:ext uri="{FF2B5EF4-FFF2-40B4-BE49-F238E27FC236}">
+                  <a16:creationId xmlns:a16="http://schemas.microsoft.com/office/drawing/2014/main" id="{64D13F72-905A-3C48-BF8A-5D635412DD45}"/>
+                </a:ext>
+              </a:extLst>
+            </p:cNvPr>
+            <p:cNvSpPr/>
+            <p:nvPr/>
+          </p:nvSpPr>
+          <p:spPr>
+            <a:xfrm>
+              <a:off x="1280592" y="2924944"/>
+              <a:ext cx="504056" cy="504056"/>
+            </a:xfrm>
+            <a:prstGeom prst="rect">
+              <a:avLst/>
+            </a:prstGeom>
+            <a:solidFill>
+              <a:schemeClr val="bg1"/>
+            </a:solidFill>
+            <a:ln>
+              <a:solidFill>
+                <a:schemeClr val="tx1"/>
+              </a:solidFill>
+            </a:ln>
+          </p:spPr>
+          <p:style>
+            <a:lnRef idx="2">
+              <a:schemeClr val="accent1">
+                <a:shade val="50000"/>
+              </a:schemeClr>
+            </a:lnRef>
+            <a:fillRef idx="1">
+              <a:schemeClr val="accent1"/>
+            </a:fillRef>
+            <a:effectRef idx="0">
+              <a:schemeClr val="accent1"/>
+            </a:effectRef>
+            <a:fontRef idx="minor">
+              <a:schemeClr val="lt1"/>
+            </a:fontRef>
+          </p:style>
+          <p:txBody>
+            <a:bodyPr rtlCol="0" anchor="ctr"/>
+            <a:lstStyle/>
+            <a:p>
+              <a:pPr algn="ctr"/>
+              <a:r>
+                <a:rPr kumimoji="1" lang="en-US" altLang="ja-JP">
+                  <a:solidFill>
+                    <a:schemeClr val="tx1"/>
+                  </a:solidFill>
+                </a:rPr>
+                <a:t>vz</a:t>
+              </a:r>
+              <a:endParaRPr kumimoji="1" lang="ja-JP" altLang="en-US">
+                <a:solidFill>
+                  <a:schemeClr val="tx1"/>
+                </a:solidFill>
+              </a:endParaRPr>
+            </a:p>
+          </p:txBody>
+        </p:sp>
+        <p:sp>
+          <p:nvSpPr>
+            <p:cNvPr id="10" name="正方形/長方形 9">
+              <a:extLst>
+                <a:ext uri="{FF2B5EF4-FFF2-40B4-BE49-F238E27FC236}">
+                  <a16:creationId xmlns:a16="http://schemas.microsoft.com/office/drawing/2014/main" id="{CCDA954D-BD4E-9F4F-AA34-42BFCB5386F9}"/>
+                </a:ext>
+              </a:extLst>
+            </p:cNvPr>
+            <p:cNvSpPr/>
+            <p:nvPr/>
+          </p:nvSpPr>
+          <p:spPr>
+            <a:xfrm>
+              <a:off x="1280592" y="3429000"/>
+              <a:ext cx="504056" cy="504056"/>
+            </a:xfrm>
+            <a:prstGeom prst="rect">
+              <a:avLst/>
+            </a:prstGeom>
+            <a:solidFill>
+              <a:schemeClr val="bg1"/>
+            </a:solidFill>
+            <a:ln>
+              <a:solidFill>
+                <a:schemeClr val="tx1"/>
+              </a:solidFill>
+            </a:ln>
+          </p:spPr>
+          <p:style>
+            <a:lnRef idx="2">
+              <a:schemeClr val="accent1">
+                <a:shade val="50000"/>
+              </a:schemeClr>
+            </a:lnRef>
+            <a:fillRef idx="1">
+              <a:schemeClr val="accent1"/>
+            </a:fillRef>
+            <a:effectRef idx="0">
+              <a:schemeClr val="accent1"/>
+            </a:effectRef>
+            <a:fontRef idx="minor">
+              <a:schemeClr val="lt1"/>
+            </a:fontRef>
+          </p:style>
+          <p:txBody>
+            <a:bodyPr rtlCol="0" anchor="ctr"/>
+            <a:lstStyle/>
+            <a:p>
+              <a:pPr algn="ctr"/>
+              <a:r>
+                <a:rPr lang="en-US" altLang="ja-JP">
+                  <a:solidFill>
+                    <a:schemeClr val="tx1"/>
+                  </a:solidFill>
+                </a:rPr>
+                <a:t>vy</a:t>
+              </a:r>
+              <a:endParaRPr kumimoji="1" lang="ja-JP" altLang="en-US">
+                <a:solidFill>
+                  <a:schemeClr val="tx1"/>
+                </a:solidFill>
+              </a:endParaRPr>
+            </a:p>
+          </p:txBody>
+        </p:sp>
+      </p:grpSp>
+      <p:grpSp>
+        <p:nvGrpSpPr>
+          <p:cNvPr id="25" name="グループ化 24">
+            <a:extLst>
+              <a:ext uri="{FF2B5EF4-FFF2-40B4-BE49-F238E27FC236}">
+                <a16:creationId xmlns:a16="http://schemas.microsoft.com/office/drawing/2014/main" id="{E9CC2CC7-28CC-7249-A751-C54935C04F79}"/>
+              </a:ext>
+            </a:extLst>
+          </p:cNvPr>
+          <p:cNvGrpSpPr/>
+          <p:nvPr/>
+        </p:nvGrpSpPr>
+        <p:grpSpPr>
+          <a:xfrm>
+            <a:off x="3944888" y="1412776"/>
+            <a:ext cx="504056" cy="2016224"/>
+            <a:chOff x="2216696" y="1916832"/>
+            <a:chExt cx="504056" cy="2016224"/>
+          </a:xfrm>
+        </p:grpSpPr>
+        <p:sp>
+          <p:nvSpPr>
+            <p:cNvPr id="11" name="正方形/長方形 10">
+              <a:extLst>
+                <a:ext uri="{FF2B5EF4-FFF2-40B4-BE49-F238E27FC236}">
+                  <a16:creationId xmlns:a16="http://schemas.microsoft.com/office/drawing/2014/main" id="{D5EA71B8-12AC-1F49-B668-263C71855480}"/>
+                </a:ext>
+              </a:extLst>
+            </p:cNvPr>
+            <p:cNvSpPr/>
+            <p:nvPr/>
+          </p:nvSpPr>
+          <p:spPr>
+            <a:xfrm>
+              <a:off x="2216696" y="1916832"/>
+              <a:ext cx="504056" cy="504056"/>
+            </a:xfrm>
+            <a:prstGeom prst="rect">
+              <a:avLst/>
+            </a:prstGeom>
+            <a:solidFill>
+              <a:schemeClr val="bg1"/>
+            </a:solidFill>
+            <a:ln>
+              <a:solidFill>
+                <a:schemeClr val="tx1"/>
+              </a:solidFill>
+            </a:ln>
+          </p:spPr>
+          <p:style>
+            <a:lnRef idx="2">
+              <a:schemeClr val="accent1">
+                <a:shade val="50000"/>
+              </a:schemeClr>
+            </a:lnRef>
+            <a:fillRef idx="1">
+              <a:schemeClr val="accent1"/>
+            </a:fillRef>
+            <a:effectRef idx="0">
+              <a:schemeClr val="accent1"/>
+            </a:effectRef>
+            <a:fontRef idx="minor">
+              <a:schemeClr val="lt1"/>
+            </a:fontRef>
+          </p:style>
+          <p:txBody>
+            <a:bodyPr rtlCol="0" anchor="ctr"/>
+            <a:lstStyle/>
+            <a:p>
+              <a:pPr algn="ctr"/>
+              <a:endParaRPr kumimoji="1" lang="ja-JP" altLang="en-US">
+                <a:solidFill>
+                  <a:schemeClr val="tx1"/>
+                </a:solidFill>
+              </a:endParaRPr>
+            </a:p>
+          </p:txBody>
+        </p:sp>
+        <p:sp>
+          <p:nvSpPr>
+            <p:cNvPr id="12" name="正方形/長方形 11">
+              <a:extLst>
+                <a:ext uri="{FF2B5EF4-FFF2-40B4-BE49-F238E27FC236}">
+                  <a16:creationId xmlns:a16="http://schemas.microsoft.com/office/drawing/2014/main" id="{9ED02084-CF6D-CE42-AB55-A7F109246011}"/>
+                </a:ext>
+              </a:extLst>
+            </p:cNvPr>
+            <p:cNvSpPr/>
+            <p:nvPr/>
+          </p:nvSpPr>
+          <p:spPr>
+            <a:xfrm>
+              <a:off x="2216696" y="2420888"/>
+              <a:ext cx="504056" cy="504056"/>
+            </a:xfrm>
+            <a:prstGeom prst="rect">
+              <a:avLst/>
+            </a:prstGeom>
+            <a:solidFill>
+              <a:schemeClr val="bg1"/>
+            </a:solidFill>
+            <a:ln>
+              <a:solidFill>
+                <a:schemeClr val="tx1"/>
+              </a:solidFill>
+            </a:ln>
+          </p:spPr>
+          <p:style>
+            <a:lnRef idx="2">
+              <a:schemeClr val="accent1">
+                <a:shade val="50000"/>
+              </a:schemeClr>
+            </a:lnRef>
+            <a:fillRef idx="1">
+              <a:schemeClr val="accent1"/>
+            </a:fillRef>
+            <a:effectRef idx="0">
+              <a:schemeClr val="accent1"/>
+            </a:effectRef>
+            <a:fontRef idx="minor">
+              <a:schemeClr val="lt1"/>
+            </a:fontRef>
+          </p:style>
+          <p:txBody>
+            <a:bodyPr rtlCol="0" anchor="ctr"/>
+            <a:lstStyle/>
+            <a:p>
+              <a:pPr algn="ctr"/>
+              <a:r>
+                <a:rPr lang="en-US" altLang="ja-JP">
+                  <a:solidFill>
+                    <a:schemeClr val="tx1"/>
+                  </a:solidFill>
+                </a:rPr>
+                <a:t>BY</a:t>
+              </a:r>
+              <a:endParaRPr kumimoji="1" lang="ja-JP" altLang="en-US">
+                <a:solidFill>
+                  <a:schemeClr val="tx1"/>
+                </a:solidFill>
+              </a:endParaRPr>
+            </a:p>
+          </p:txBody>
+        </p:sp>
+        <p:sp>
+          <p:nvSpPr>
+            <p:cNvPr id="13" name="正方形/長方形 12">
+              <a:extLst>
+                <a:ext uri="{FF2B5EF4-FFF2-40B4-BE49-F238E27FC236}">
+                  <a16:creationId xmlns:a16="http://schemas.microsoft.com/office/drawing/2014/main" id="{47F4AD4A-3DD7-E24D-A5C9-D67FB794FC27}"/>
+                </a:ext>
+              </a:extLst>
+            </p:cNvPr>
+            <p:cNvSpPr/>
+            <p:nvPr/>
+          </p:nvSpPr>
+          <p:spPr>
+            <a:xfrm>
+              <a:off x="2216696" y="2924944"/>
+              <a:ext cx="504056" cy="504056"/>
+            </a:xfrm>
+            <a:prstGeom prst="rect">
+              <a:avLst/>
+            </a:prstGeom>
+            <a:solidFill>
+              <a:schemeClr val="bg1"/>
+            </a:solidFill>
+            <a:ln>
+              <a:solidFill>
+                <a:schemeClr val="tx1"/>
+              </a:solidFill>
+            </a:ln>
+          </p:spPr>
+          <p:style>
+            <a:lnRef idx="2">
+              <a:schemeClr val="accent1">
+                <a:shade val="50000"/>
+              </a:schemeClr>
+            </a:lnRef>
+            <a:fillRef idx="1">
+              <a:schemeClr val="accent1"/>
+            </a:fillRef>
+            <a:effectRef idx="0">
+              <a:schemeClr val="accent1"/>
+            </a:effectRef>
+            <a:fontRef idx="minor">
+              <a:schemeClr val="lt1"/>
+            </a:fontRef>
+          </p:style>
+          <p:txBody>
+            <a:bodyPr rtlCol="0" anchor="ctr"/>
+            <a:lstStyle/>
+            <a:p>
+              <a:pPr algn="ctr"/>
+              <a:r>
+                <a:rPr kumimoji="1" lang="en-US" altLang="ja-JP">
+                  <a:solidFill>
+                    <a:schemeClr val="tx1"/>
+                  </a:solidFill>
+                </a:rPr>
+                <a:t>BX</a:t>
+              </a:r>
+              <a:endParaRPr kumimoji="1" lang="ja-JP" altLang="en-US">
+                <a:solidFill>
+                  <a:schemeClr val="tx1"/>
+                </a:solidFill>
+              </a:endParaRPr>
+            </a:p>
+          </p:txBody>
+        </p:sp>
+        <p:sp>
+          <p:nvSpPr>
+            <p:cNvPr id="14" name="正方形/長方形 13">
+              <a:extLst>
+                <a:ext uri="{FF2B5EF4-FFF2-40B4-BE49-F238E27FC236}">
+                  <a16:creationId xmlns:a16="http://schemas.microsoft.com/office/drawing/2014/main" id="{D136DD3E-5BB6-7A4E-9E3E-14EC9E5AA92D}"/>
+                </a:ext>
+              </a:extLst>
+            </p:cNvPr>
+            <p:cNvSpPr/>
+            <p:nvPr/>
+          </p:nvSpPr>
+          <p:spPr>
+            <a:xfrm>
+              <a:off x="2216696" y="3429000"/>
+              <a:ext cx="504056" cy="504056"/>
+            </a:xfrm>
+            <a:prstGeom prst="rect">
+              <a:avLst/>
+            </a:prstGeom>
+            <a:solidFill>
+              <a:schemeClr val="bg1"/>
+            </a:solidFill>
+            <a:ln>
+              <a:solidFill>
+                <a:schemeClr val="tx1"/>
+              </a:solidFill>
+            </a:ln>
+          </p:spPr>
+          <p:style>
+            <a:lnRef idx="2">
+              <a:schemeClr val="accent1">
+                <a:shade val="50000"/>
+              </a:schemeClr>
+            </a:lnRef>
+            <a:fillRef idx="1">
+              <a:schemeClr val="accent1"/>
+            </a:fillRef>
+            <a:effectRef idx="0">
+              <a:schemeClr val="accent1"/>
+            </a:effectRef>
+            <a:fontRef idx="minor">
+              <a:schemeClr val="lt1"/>
+            </a:fontRef>
+          </p:style>
+          <p:txBody>
+            <a:bodyPr rtlCol="0" anchor="ctr"/>
+            <a:lstStyle/>
+            <a:p>
+              <a:pPr algn="ctr"/>
+              <a:r>
+                <a:rPr lang="en-US" altLang="ja-JP">
+                  <a:solidFill>
+                    <a:schemeClr val="tx1"/>
+                  </a:solidFill>
+                </a:rPr>
+                <a:t>BZ</a:t>
+              </a:r>
+              <a:endParaRPr kumimoji="1" lang="ja-JP" altLang="en-US">
+                <a:solidFill>
+                  <a:schemeClr val="tx1"/>
+                </a:solidFill>
+              </a:endParaRPr>
+            </a:p>
+          </p:txBody>
+        </p:sp>
+      </p:grpSp>
+      <p:grpSp>
+        <p:nvGrpSpPr>
+          <p:cNvPr id="26" name="グループ化 25">
+            <a:extLst>
+              <a:ext uri="{FF2B5EF4-FFF2-40B4-BE49-F238E27FC236}">
+                <a16:creationId xmlns:a16="http://schemas.microsoft.com/office/drawing/2014/main" id="{55F8FCD6-A376-964C-88B7-FCD711318246}"/>
+              </a:ext>
+            </a:extLst>
+          </p:cNvPr>
+          <p:cNvGrpSpPr/>
+          <p:nvPr/>
+        </p:nvGrpSpPr>
+        <p:grpSpPr>
+          <a:xfrm>
+            <a:off x="4953000" y="1412776"/>
+            <a:ext cx="504056" cy="2016224"/>
+            <a:chOff x="3080792" y="1916832"/>
+            <a:chExt cx="504056" cy="2016224"/>
+          </a:xfrm>
+        </p:grpSpPr>
+        <p:sp>
+          <p:nvSpPr>
+            <p:cNvPr id="15" name="正方形/長方形 14">
+              <a:extLst>
+                <a:ext uri="{FF2B5EF4-FFF2-40B4-BE49-F238E27FC236}">
+                  <a16:creationId xmlns:a16="http://schemas.microsoft.com/office/drawing/2014/main" id="{66035436-9763-864B-BB12-C40E9D1F01EA}"/>
+                </a:ext>
+              </a:extLst>
+            </p:cNvPr>
+            <p:cNvSpPr/>
+            <p:nvPr/>
+          </p:nvSpPr>
+          <p:spPr>
+            <a:xfrm>
+              <a:off x="3080792" y="1916832"/>
+              <a:ext cx="504056" cy="504056"/>
+            </a:xfrm>
+            <a:prstGeom prst="rect">
+              <a:avLst/>
+            </a:prstGeom>
+            <a:solidFill>
+              <a:schemeClr val="bg1"/>
+            </a:solidFill>
+            <a:ln>
+              <a:solidFill>
+                <a:schemeClr val="tx1"/>
+              </a:solidFill>
+            </a:ln>
+          </p:spPr>
+          <p:style>
+            <a:lnRef idx="2">
+              <a:schemeClr val="accent1">
+                <a:shade val="50000"/>
+              </a:schemeClr>
+            </a:lnRef>
+            <a:fillRef idx="1">
+              <a:schemeClr val="accent1"/>
+            </a:fillRef>
+            <a:effectRef idx="0">
+              <a:schemeClr val="accent1"/>
+            </a:effectRef>
+            <a:fontRef idx="minor">
+              <a:schemeClr val="lt1"/>
+            </a:fontRef>
+          </p:style>
+          <p:txBody>
+            <a:bodyPr rtlCol="0" anchor="ctr"/>
+            <a:lstStyle/>
+            <a:p>
+              <a:pPr algn="ctr"/>
+              <a:endParaRPr kumimoji="1" lang="ja-JP" altLang="en-US">
+                <a:solidFill>
+                  <a:schemeClr val="tx1"/>
+                </a:solidFill>
+              </a:endParaRPr>
+            </a:p>
+          </p:txBody>
+        </p:sp>
+        <p:sp>
+          <p:nvSpPr>
+            <p:cNvPr id="16" name="正方形/長方形 15">
+              <a:extLst>
+                <a:ext uri="{FF2B5EF4-FFF2-40B4-BE49-F238E27FC236}">
+                  <a16:creationId xmlns:a16="http://schemas.microsoft.com/office/drawing/2014/main" id="{2055933D-8F03-E640-8799-862E8999DD58}"/>
+                </a:ext>
+              </a:extLst>
+            </p:cNvPr>
+            <p:cNvSpPr/>
+            <p:nvPr/>
+          </p:nvSpPr>
+          <p:spPr>
+            <a:xfrm>
+              <a:off x="3080792" y="2420888"/>
+              <a:ext cx="504056" cy="504056"/>
+            </a:xfrm>
+            <a:prstGeom prst="rect">
+              <a:avLst/>
+            </a:prstGeom>
+            <a:solidFill>
+              <a:schemeClr val="bg1"/>
+            </a:solidFill>
+            <a:ln>
+              <a:solidFill>
+                <a:schemeClr val="tx1"/>
+              </a:solidFill>
+            </a:ln>
+          </p:spPr>
+          <p:style>
+            <a:lnRef idx="2">
+              <a:schemeClr val="accent1">
+                <a:shade val="50000"/>
+              </a:schemeClr>
+            </a:lnRef>
+            <a:fillRef idx="1">
+              <a:schemeClr val="accent1"/>
+            </a:fillRef>
+            <a:effectRef idx="0">
+              <a:schemeClr val="accent1"/>
+            </a:effectRef>
+            <a:fontRef idx="minor">
+              <a:schemeClr val="lt1"/>
+            </a:fontRef>
+          </p:style>
+          <p:txBody>
+            <a:bodyPr rtlCol="0" anchor="ctr"/>
+            <a:lstStyle/>
+            <a:p>
+              <a:pPr algn="ctr"/>
+              <a:r>
+                <a:rPr lang="en-US" altLang="ja-JP">
+                  <a:solidFill>
+                    <a:schemeClr val="tx1"/>
+                  </a:solidFill>
+                </a:rPr>
+                <a:t>vx</a:t>
+              </a:r>
+              <a:endParaRPr kumimoji="1" lang="ja-JP" altLang="en-US">
+                <a:solidFill>
+                  <a:schemeClr val="tx1"/>
+                </a:solidFill>
+              </a:endParaRPr>
+            </a:p>
+          </p:txBody>
+        </p:sp>
+        <p:sp>
+          <p:nvSpPr>
+            <p:cNvPr id="17" name="正方形/長方形 16">
+              <a:extLst>
+                <a:ext uri="{FF2B5EF4-FFF2-40B4-BE49-F238E27FC236}">
+                  <a16:creationId xmlns:a16="http://schemas.microsoft.com/office/drawing/2014/main" id="{B99B7637-EB29-3D44-BFE7-93C63E9D672E}"/>
+                </a:ext>
+              </a:extLst>
+            </p:cNvPr>
+            <p:cNvSpPr/>
+            <p:nvPr/>
+          </p:nvSpPr>
+          <p:spPr>
+            <a:xfrm>
+              <a:off x="3080792" y="2924944"/>
+              <a:ext cx="504056" cy="504056"/>
+            </a:xfrm>
+            <a:prstGeom prst="rect">
+              <a:avLst/>
+            </a:prstGeom>
+            <a:solidFill>
+              <a:schemeClr val="bg1"/>
+            </a:solidFill>
+            <a:ln>
+              <a:solidFill>
+                <a:schemeClr val="tx1"/>
+              </a:solidFill>
+            </a:ln>
+          </p:spPr>
+          <p:style>
+            <a:lnRef idx="2">
+              <a:schemeClr val="accent1">
+                <a:shade val="50000"/>
+              </a:schemeClr>
+            </a:lnRef>
+            <a:fillRef idx="1">
+              <a:schemeClr val="accent1"/>
+            </a:fillRef>
+            <a:effectRef idx="0">
+              <a:schemeClr val="accent1"/>
+            </a:effectRef>
+            <a:fontRef idx="minor">
+              <a:schemeClr val="lt1"/>
+            </a:fontRef>
+          </p:style>
+          <p:txBody>
+            <a:bodyPr rtlCol="0" anchor="ctr"/>
+            <a:lstStyle/>
+            <a:p>
+              <a:pPr algn="ctr"/>
+              <a:r>
+                <a:rPr kumimoji="1" lang="en-US" altLang="ja-JP">
+                  <a:solidFill>
+                    <a:schemeClr val="tx1"/>
+                  </a:solidFill>
+                </a:rPr>
+                <a:t>vz</a:t>
+              </a:r>
+              <a:endParaRPr kumimoji="1" lang="ja-JP" altLang="en-US">
+                <a:solidFill>
+                  <a:schemeClr val="tx1"/>
+                </a:solidFill>
+              </a:endParaRPr>
+            </a:p>
+          </p:txBody>
+        </p:sp>
+        <p:sp>
+          <p:nvSpPr>
+            <p:cNvPr id="18" name="正方形/長方形 17">
+              <a:extLst>
+                <a:ext uri="{FF2B5EF4-FFF2-40B4-BE49-F238E27FC236}">
+                  <a16:creationId xmlns:a16="http://schemas.microsoft.com/office/drawing/2014/main" id="{774C18CF-1CD5-9040-80D2-E3DC1DE4E612}"/>
+                </a:ext>
+              </a:extLst>
+            </p:cNvPr>
+            <p:cNvSpPr/>
+            <p:nvPr/>
+          </p:nvSpPr>
+          <p:spPr>
+            <a:xfrm>
+              <a:off x="3080792" y="3429000"/>
+              <a:ext cx="504056" cy="504056"/>
+            </a:xfrm>
+            <a:prstGeom prst="rect">
+              <a:avLst/>
+            </a:prstGeom>
+            <a:solidFill>
+              <a:schemeClr val="bg1"/>
+            </a:solidFill>
+            <a:ln>
+              <a:solidFill>
+                <a:schemeClr val="tx1"/>
+              </a:solidFill>
+            </a:ln>
+          </p:spPr>
+          <p:style>
+            <a:lnRef idx="2">
+              <a:schemeClr val="accent1">
+                <a:shade val="50000"/>
+              </a:schemeClr>
+            </a:lnRef>
+            <a:fillRef idx="1">
+              <a:schemeClr val="accent1"/>
+            </a:fillRef>
+            <a:effectRef idx="0">
+              <a:schemeClr val="accent1"/>
+            </a:effectRef>
+            <a:fontRef idx="minor">
+              <a:schemeClr val="lt1"/>
+            </a:fontRef>
+          </p:style>
+          <p:txBody>
+            <a:bodyPr rtlCol="0" anchor="ctr"/>
+            <a:lstStyle/>
+            <a:p>
+              <a:pPr algn="ctr"/>
+              <a:r>
+                <a:rPr lang="en-US" altLang="ja-JP">
+                  <a:solidFill>
+                    <a:schemeClr val="tx1"/>
+                  </a:solidFill>
+                </a:rPr>
+                <a:t>vy</a:t>
+              </a:r>
+              <a:endParaRPr kumimoji="1" lang="ja-JP" altLang="en-US">
+                <a:solidFill>
+                  <a:schemeClr val="tx1"/>
+                </a:solidFill>
+              </a:endParaRPr>
+            </a:p>
+          </p:txBody>
+        </p:sp>
+      </p:grpSp>
+      <p:grpSp>
+        <p:nvGrpSpPr>
+          <p:cNvPr id="27" name="グループ化 26">
+            <a:extLst>
+              <a:ext uri="{FF2B5EF4-FFF2-40B4-BE49-F238E27FC236}">
+                <a16:creationId xmlns:a16="http://schemas.microsoft.com/office/drawing/2014/main" id="{278B4111-ED01-EC47-B503-1D21CAB24A1E}"/>
+              </a:ext>
+            </a:extLst>
+          </p:cNvPr>
+          <p:cNvGrpSpPr/>
+          <p:nvPr/>
+        </p:nvGrpSpPr>
+        <p:grpSpPr>
+          <a:xfrm>
+            <a:off x="5889104" y="1412776"/>
+            <a:ext cx="504056" cy="2016224"/>
+            <a:chOff x="3944888" y="1916832"/>
+            <a:chExt cx="504056" cy="2016224"/>
+          </a:xfrm>
+        </p:grpSpPr>
+        <p:sp>
+          <p:nvSpPr>
+            <p:cNvPr id="19" name="正方形/長方形 18">
+              <a:extLst>
+                <a:ext uri="{FF2B5EF4-FFF2-40B4-BE49-F238E27FC236}">
+                  <a16:creationId xmlns:a16="http://schemas.microsoft.com/office/drawing/2014/main" id="{268FFCAA-4DEA-0447-938A-6823F2A83350}"/>
+                </a:ext>
+              </a:extLst>
+            </p:cNvPr>
+            <p:cNvSpPr/>
+            <p:nvPr/>
+          </p:nvSpPr>
+          <p:spPr>
+            <a:xfrm>
+              <a:off x="3944888" y="1916832"/>
+              <a:ext cx="504056" cy="504056"/>
+            </a:xfrm>
+            <a:prstGeom prst="rect">
+              <a:avLst/>
+            </a:prstGeom>
+            <a:solidFill>
+              <a:schemeClr val="bg1"/>
+            </a:solidFill>
+            <a:ln>
+              <a:solidFill>
+                <a:schemeClr val="tx1"/>
+              </a:solidFill>
+            </a:ln>
+          </p:spPr>
+          <p:style>
+            <a:lnRef idx="2">
+              <a:schemeClr val="accent1">
+                <a:shade val="50000"/>
+              </a:schemeClr>
+            </a:lnRef>
+            <a:fillRef idx="1">
+              <a:schemeClr val="accent1"/>
+            </a:fillRef>
+            <a:effectRef idx="0">
+              <a:schemeClr val="accent1"/>
+            </a:effectRef>
+            <a:fontRef idx="minor">
+              <a:schemeClr val="lt1"/>
+            </a:fontRef>
+          </p:style>
+          <p:txBody>
+            <a:bodyPr rtlCol="0" anchor="ctr"/>
+            <a:lstStyle/>
+            <a:p>
+              <a:pPr algn="ctr"/>
+              <a:endParaRPr kumimoji="1" lang="ja-JP" altLang="en-US">
+                <a:solidFill>
+                  <a:schemeClr val="tx1"/>
+                </a:solidFill>
+              </a:endParaRPr>
+            </a:p>
+          </p:txBody>
+        </p:sp>
+        <p:sp>
+          <p:nvSpPr>
+            <p:cNvPr id="20" name="正方形/長方形 19">
+              <a:extLst>
+                <a:ext uri="{FF2B5EF4-FFF2-40B4-BE49-F238E27FC236}">
+                  <a16:creationId xmlns:a16="http://schemas.microsoft.com/office/drawing/2014/main" id="{BA3EE769-2176-8A42-94F0-BAEF9E0A383F}"/>
+                </a:ext>
+              </a:extLst>
+            </p:cNvPr>
+            <p:cNvSpPr/>
+            <p:nvPr/>
+          </p:nvSpPr>
+          <p:spPr>
+            <a:xfrm>
+              <a:off x="3944888" y="2420888"/>
+              <a:ext cx="504056" cy="504056"/>
+            </a:xfrm>
+            <a:prstGeom prst="rect">
+              <a:avLst/>
+            </a:prstGeom>
+            <a:solidFill>
+              <a:schemeClr val="bg1"/>
+            </a:solidFill>
+            <a:ln>
+              <a:solidFill>
+                <a:schemeClr val="tx1"/>
+              </a:solidFill>
+            </a:ln>
+          </p:spPr>
+          <p:style>
+            <a:lnRef idx="2">
+              <a:schemeClr val="accent1">
+                <a:shade val="50000"/>
+              </a:schemeClr>
+            </a:lnRef>
+            <a:fillRef idx="1">
+              <a:schemeClr val="accent1"/>
+            </a:fillRef>
+            <a:effectRef idx="0">
+              <a:schemeClr val="accent1"/>
+            </a:effectRef>
+            <a:fontRef idx="minor">
+              <a:schemeClr val="lt1"/>
+            </a:fontRef>
+          </p:style>
+          <p:txBody>
+            <a:bodyPr rtlCol="0" anchor="ctr"/>
+            <a:lstStyle/>
+            <a:p>
+              <a:pPr algn="ctr"/>
+              <a:r>
+                <a:rPr lang="en-US" altLang="ja-JP">
+                  <a:solidFill>
+                    <a:schemeClr val="tx1"/>
+                  </a:solidFill>
+                </a:rPr>
+                <a:t>BY</a:t>
+              </a:r>
+              <a:endParaRPr kumimoji="1" lang="ja-JP" altLang="en-US">
+                <a:solidFill>
+                  <a:schemeClr val="tx1"/>
+                </a:solidFill>
+              </a:endParaRPr>
+            </a:p>
+          </p:txBody>
+        </p:sp>
+        <p:sp>
+          <p:nvSpPr>
+            <p:cNvPr id="21" name="正方形/長方形 20">
+              <a:extLst>
+                <a:ext uri="{FF2B5EF4-FFF2-40B4-BE49-F238E27FC236}">
+                  <a16:creationId xmlns:a16="http://schemas.microsoft.com/office/drawing/2014/main" id="{3E99E570-50A0-6948-8DE9-0F1BD3777FE7}"/>
+                </a:ext>
+              </a:extLst>
+            </p:cNvPr>
+            <p:cNvSpPr/>
+            <p:nvPr/>
+          </p:nvSpPr>
+          <p:spPr>
+            <a:xfrm>
+              <a:off x="3944888" y="2924944"/>
+              <a:ext cx="504056" cy="504056"/>
+            </a:xfrm>
+            <a:prstGeom prst="rect">
+              <a:avLst/>
+            </a:prstGeom>
+            <a:solidFill>
+              <a:schemeClr val="bg1"/>
+            </a:solidFill>
+            <a:ln>
+              <a:solidFill>
+                <a:schemeClr val="tx1"/>
+              </a:solidFill>
+            </a:ln>
+          </p:spPr>
+          <p:style>
+            <a:lnRef idx="2">
+              <a:schemeClr val="accent1">
+                <a:shade val="50000"/>
+              </a:schemeClr>
+            </a:lnRef>
+            <a:fillRef idx="1">
+              <a:schemeClr val="accent1"/>
+            </a:fillRef>
+            <a:effectRef idx="0">
+              <a:schemeClr val="accent1"/>
+            </a:effectRef>
+            <a:fontRef idx="minor">
+              <a:schemeClr val="lt1"/>
+            </a:fontRef>
+          </p:style>
+          <p:txBody>
+            <a:bodyPr rtlCol="0" anchor="ctr"/>
+            <a:lstStyle/>
+            <a:p>
+              <a:pPr algn="ctr"/>
+              <a:r>
+                <a:rPr kumimoji="1" lang="en-US" altLang="ja-JP">
+                  <a:solidFill>
+                    <a:schemeClr val="tx1"/>
+                  </a:solidFill>
+                </a:rPr>
+                <a:t>BX</a:t>
+              </a:r>
+              <a:endParaRPr kumimoji="1" lang="ja-JP" altLang="en-US">
+                <a:solidFill>
+                  <a:schemeClr val="tx1"/>
+                </a:solidFill>
+              </a:endParaRPr>
+            </a:p>
+          </p:txBody>
+        </p:sp>
+        <p:sp>
+          <p:nvSpPr>
+            <p:cNvPr id="22" name="正方形/長方形 21">
+              <a:extLst>
+                <a:ext uri="{FF2B5EF4-FFF2-40B4-BE49-F238E27FC236}">
+                  <a16:creationId xmlns:a16="http://schemas.microsoft.com/office/drawing/2014/main" id="{78432AF7-3107-3749-A3F6-6DFA4EB84714}"/>
+                </a:ext>
+              </a:extLst>
+            </p:cNvPr>
+            <p:cNvSpPr/>
+            <p:nvPr/>
+          </p:nvSpPr>
+          <p:spPr>
+            <a:xfrm>
+              <a:off x="3944888" y="3429000"/>
+              <a:ext cx="504056" cy="504056"/>
+            </a:xfrm>
+            <a:prstGeom prst="rect">
+              <a:avLst/>
+            </a:prstGeom>
+            <a:solidFill>
+              <a:schemeClr val="bg1"/>
+            </a:solidFill>
+            <a:ln>
+              <a:solidFill>
+                <a:schemeClr val="tx1"/>
+              </a:solidFill>
+            </a:ln>
+          </p:spPr>
+          <p:style>
+            <a:lnRef idx="2">
+              <a:schemeClr val="accent1">
+                <a:shade val="50000"/>
+              </a:schemeClr>
+            </a:lnRef>
+            <a:fillRef idx="1">
+              <a:schemeClr val="accent1"/>
+            </a:fillRef>
+            <a:effectRef idx="0">
+              <a:schemeClr val="accent1"/>
+            </a:effectRef>
+            <a:fontRef idx="minor">
+              <a:schemeClr val="lt1"/>
+            </a:fontRef>
+          </p:style>
+          <p:txBody>
+            <a:bodyPr rtlCol="0" anchor="ctr"/>
+            <a:lstStyle/>
+            <a:p>
+              <a:pPr algn="ctr"/>
+              <a:r>
+                <a:rPr lang="en-US" altLang="ja-JP">
+                  <a:solidFill>
+                    <a:schemeClr val="tx1"/>
+                  </a:solidFill>
+                </a:rPr>
+                <a:t>BZ</a:t>
+              </a:r>
+              <a:endParaRPr kumimoji="1" lang="ja-JP" altLang="en-US">
+                <a:solidFill>
+                  <a:schemeClr val="tx1"/>
+                </a:solidFill>
+              </a:endParaRPr>
+            </a:p>
+          </p:txBody>
+        </p:sp>
+      </p:grpSp>
+      <p:sp>
+        <p:nvSpPr>
+          <p:cNvPr id="28" name="テキスト ボックス 27">
+            <a:extLst>
+              <a:ext uri="{FF2B5EF4-FFF2-40B4-BE49-F238E27FC236}">
+                <a16:creationId xmlns:a16="http://schemas.microsoft.com/office/drawing/2014/main" id="{F0FB2A5F-8820-1F4F-8479-B82C189288B5}"/>
+              </a:ext>
+            </a:extLst>
+          </p:cNvPr>
+          <p:cNvSpPr txBox="1"/>
+          <p:nvPr/>
+        </p:nvSpPr>
+        <p:spPr>
+          <a:xfrm>
+            <a:off x="2432720" y="2132856"/>
+            <a:ext cx="364202" cy="523220"/>
+          </a:xfrm>
+          <a:prstGeom prst="rect">
+            <a:avLst/>
+          </a:prstGeom>
+          <a:noFill/>
+        </p:spPr>
+        <p:txBody>
+          <a:bodyPr wrap="none" rtlCol="0">
+            <a:spAutoFit/>
+          </a:bodyPr>
+          <a:lstStyle/>
+          <a:p>
+            <a:r>
+              <a:rPr kumimoji="1" lang="en-US" altLang="ja-JP" sz="2800"/>
+              <a:t>=</a:t>
+            </a:r>
+            <a:endParaRPr kumimoji="1" lang="ja-JP" altLang="en-US" sz="2800"/>
+          </a:p>
+        </p:txBody>
+      </p:sp>
+      <p:sp>
+        <p:nvSpPr>
+          <p:cNvPr id="29" name="テキスト ボックス 28">
+            <a:extLst>
+              <a:ext uri="{FF2B5EF4-FFF2-40B4-BE49-F238E27FC236}">
+                <a16:creationId xmlns:a16="http://schemas.microsoft.com/office/drawing/2014/main" id="{7FF59B61-E7A6-CE4B-B1F4-953B43C4D4F8}"/>
+              </a:ext>
+            </a:extLst>
+          </p:cNvPr>
+          <p:cNvSpPr txBox="1"/>
+          <p:nvPr/>
+        </p:nvSpPr>
+        <p:spPr>
+          <a:xfrm>
+            <a:off x="3512840" y="2204864"/>
+            <a:ext cx="432048" cy="523220"/>
+          </a:xfrm>
+          <a:prstGeom prst="rect">
+            <a:avLst/>
+          </a:prstGeom>
+          <a:noFill/>
+        </p:spPr>
+        <p:txBody>
+          <a:bodyPr wrap="square" rtlCol="0">
+            <a:spAutoFit/>
+          </a:bodyPr>
+          <a:lstStyle/>
+          <a:p>
+            <a:r>
+              <a:rPr kumimoji="1" lang="en-US" altLang="ja-JP" sz="2800"/>
+              <a:t>*</a:t>
+            </a:r>
+            <a:endParaRPr kumimoji="1" lang="ja-JP" altLang="en-US" sz="2800"/>
+          </a:p>
+        </p:txBody>
+      </p:sp>
+      <p:sp>
+        <p:nvSpPr>
+          <p:cNvPr id="30" name="テキスト ボックス 29">
+            <a:extLst>
+              <a:ext uri="{FF2B5EF4-FFF2-40B4-BE49-F238E27FC236}">
+                <a16:creationId xmlns:a16="http://schemas.microsoft.com/office/drawing/2014/main" id="{229A8BA4-8778-9448-9CE6-EC0474EAFDDD}"/>
+              </a:ext>
+            </a:extLst>
+          </p:cNvPr>
+          <p:cNvSpPr txBox="1"/>
+          <p:nvPr/>
+        </p:nvSpPr>
+        <p:spPr>
+          <a:xfrm>
+            <a:off x="5457056" y="2204864"/>
+            <a:ext cx="432048" cy="523220"/>
+          </a:xfrm>
+          <a:prstGeom prst="rect">
+            <a:avLst/>
+          </a:prstGeom>
+          <a:noFill/>
+        </p:spPr>
+        <p:txBody>
+          <a:bodyPr wrap="square" rtlCol="0">
+            <a:spAutoFit/>
+          </a:bodyPr>
+          <a:lstStyle/>
+          <a:p>
+            <a:r>
+              <a:rPr kumimoji="1" lang="en-US" altLang="ja-JP" sz="2800"/>
+              <a:t>*</a:t>
+            </a:r>
+            <a:endParaRPr kumimoji="1" lang="ja-JP" altLang="en-US" sz="2800"/>
+          </a:p>
+        </p:txBody>
+      </p:sp>
+      <p:sp>
+        <p:nvSpPr>
+          <p:cNvPr id="31" name="テキスト ボックス 30">
+            <a:extLst>
+              <a:ext uri="{FF2B5EF4-FFF2-40B4-BE49-F238E27FC236}">
+                <a16:creationId xmlns:a16="http://schemas.microsoft.com/office/drawing/2014/main" id="{92E0D99F-0CF0-1D44-8126-45FA674E8E6B}"/>
+              </a:ext>
+            </a:extLst>
+          </p:cNvPr>
+          <p:cNvSpPr txBox="1"/>
+          <p:nvPr/>
+        </p:nvSpPr>
+        <p:spPr>
+          <a:xfrm>
+            <a:off x="4592960" y="2132856"/>
+            <a:ext cx="432048" cy="523220"/>
+          </a:xfrm>
+          <a:prstGeom prst="rect">
+            <a:avLst/>
+          </a:prstGeom>
+          <a:noFill/>
+        </p:spPr>
+        <p:txBody>
+          <a:bodyPr wrap="square" rtlCol="0">
+            <a:spAutoFit/>
+          </a:bodyPr>
+          <a:lstStyle/>
+          <a:p>
+            <a:r>
+              <a:rPr kumimoji="1" lang="en-US" altLang="ja-JP" sz="2800"/>
+              <a:t>-</a:t>
+            </a:r>
+            <a:endParaRPr kumimoji="1" lang="ja-JP" altLang="en-US" sz="2800"/>
+          </a:p>
+        </p:txBody>
+      </p:sp>
+      <p:sp>
+        <p:nvSpPr>
+          <p:cNvPr id="33" name="正方形/長方形 32">
+            <a:extLst>
+              <a:ext uri="{FF2B5EF4-FFF2-40B4-BE49-F238E27FC236}">
+                <a16:creationId xmlns:a16="http://schemas.microsoft.com/office/drawing/2014/main" id="{0EE4B664-09CF-DA44-872C-9A1930671AD4}"/>
+              </a:ext>
+            </a:extLst>
+          </p:cNvPr>
+          <p:cNvSpPr/>
+          <p:nvPr/>
+        </p:nvSpPr>
+        <p:spPr>
+          <a:xfrm>
+            <a:off x="1856656" y="4221088"/>
+            <a:ext cx="504056" cy="504056"/>
+          </a:xfrm>
+          <a:prstGeom prst="rect">
+            <a:avLst/>
+          </a:prstGeom>
+          <a:solidFill>
+            <a:schemeClr val="bg1"/>
+          </a:solidFill>
+          <a:ln>
+            <a:solidFill>
+              <a:schemeClr val="tx1"/>
+            </a:solidFill>
+          </a:ln>
+        </p:spPr>
+        <p:style>
+          <a:lnRef idx="2">
+            <a:schemeClr val="accent1">
+              <a:shade val="50000"/>
+            </a:schemeClr>
+          </a:lnRef>
+          <a:fillRef idx="1">
+            <a:schemeClr val="accent1"/>
+          </a:fillRef>
+          <a:effectRef idx="0">
+            <a:schemeClr val="accent1"/>
+          </a:effectRef>
+          <a:fontRef idx="minor">
+            <a:schemeClr val="lt1"/>
+          </a:fontRef>
+        </p:style>
+        <p:txBody>
+          <a:bodyPr rtlCol="0" anchor="ctr"/>
+          <a:lstStyle/>
+          <a:p>
+            <a:pPr algn="ctr"/>
+            <a:endParaRPr kumimoji="1" lang="ja-JP" altLang="en-US">
+              <a:solidFill>
+                <a:schemeClr val="tx1"/>
+              </a:solidFill>
+            </a:endParaRPr>
+          </a:p>
+        </p:txBody>
+      </p:sp>
+      <p:sp>
+        <p:nvSpPr>
+          <p:cNvPr id="34" name="正方形/長方形 33">
+            <a:extLst>
+              <a:ext uri="{FF2B5EF4-FFF2-40B4-BE49-F238E27FC236}">
+                <a16:creationId xmlns:a16="http://schemas.microsoft.com/office/drawing/2014/main" id="{85BDE6FA-93D7-BB4C-9EFD-8318274CF6BE}"/>
+              </a:ext>
+            </a:extLst>
+          </p:cNvPr>
+          <p:cNvSpPr/>
+          <p:nvPr/>
+        </p:nvSpPr>
+        <p:spPr>
+          <a:xfrm>
+            <a:off x="1856656" y="4725144"/>
+            <a:ext cx="504056" cy="504056"/>
+          </a:xfrm>
+          <a:prstGeom prst="rect">
+            <a:avLst/>
+          </a:prstGeom>
+          <a:solidFill>
+            <a:schemeClr val="accent6">
+              <a:lumMod val="20000"/>
+              <a:lumOff val="80000"/>
+            </a:schemeClr>
+          </a:solidFill>
+          <a:ln>
+            <a:solidFill>
+              <a:schemeClr val="tx1"/>
+            </a:solidFill>
+          </a:ln>
+        </p:spPr>
+        <p:style>
+          <a:lnRef idx="2">
+            <a:schemeClr val="accent1">
+              <a:shade val="50000"/>
+            </a:schemeClr>
+          </a:lnRef>
+          <a:fillRef idx="1">
+            <a:schemeClr val="accent1"/>
+          </a:fillRef>
+          <a:effectRef idx="0">
+            <a:schemeClr val="accent1"/>
+          </a:effectRef>
+          <a:fontRef idx="minor">
+            <a:schemeClr val="lt1"/>
+          </a:fontRef>
+        </p:style>
+        <p:txBody>
+          <a:bodyPr rtlCol="0" anchor="ctr"/>
+          <a:lstStyle/>
+          <a:p>
+            <a:pPr algn="ctr"/>
+            <a:r>
+              <a:rPr lang="en-US" altLang="ja-JP">
+                <a:solidFill>
+                  <a:schemeClr val="tx1"/>
+                </a:solidFill>
+              </a:rPr>
+              <a:t>vz</a:t>
+            </a:r>
+            <a:endParaRPr kumimoji="1" lang="ja-JP" altLang="en-US">
+              <a:solidFill>
+                <a:schemeClr val="tx1"/>
+              </a:solidFill>
+            </a:endParaRPr>
+          </a:p>
+        </p:txBody>
+      </p:sp>
+      <p:sp>
+        <p:nvSpPr>
+          <p:cNvPr id="35" name="正方形/長方形 34">
+            <a:extLst>
+              <a:ext uri="{FF2B5EF4-FFF2-40B4-BE49-F238E27FC236}">
+                <a16:creationId xmlns:a16="http://schemas.microsoft.com/office/drawing/2014/main" id="{D94EDD50-9B69-274C-A5C0-A61F85ABECF7}"/>
+              </a:ext>
+            </a:extLst>
+          </p:cNvPr>
+          <p:cNvSpPr/>
+          <p:nvPr/>
+        </p:nvSpPr>
+        <p:spPr>
+          <a:xfrm>
+            <a:off x="1856656" y="5229200"/>
+            <a:ext cx="504056" cy="504056"/>
+          </a:xfrm>
+          <a:prstGeom prst="rect">
+            <a:avLst/>
+          </a:prstGeom>
+          <a:solidFill>
+            <a:schemeClr val="accent1">
+              <a:lumMod val="20000"/>
+              <a:lumOff val="80000"/>
+            </a:schemeClr>
+          </a:solidFill>
+          <a:ln>
+            <a:solidFill>
+              <a:schemeClr val="tx1"/>
+            </a:solidFill>
+          </a:ln>
+        </p:spPr>
+        <p:style>
+          <a:lnRef idx="2">
+            <a:schemeClr val="accent1">
+              <a:shade val="50000"/>
+            </a:schemeClr>
+          </a:lnRef>
+          <a:fillRef idx="1">
+            <a:schemeClr val="accent1"/>
+          </a:fillRef>
+          <a:effectRef idx="0">
+            <a:schemeClr val="accent1"/>
+          </a:effectRef>
+          <a:fontRef idx="minor">
+            <a:schemeClr val="lt1"/>
+          </a:fontRef>
+        </p:style>
+        <p:txBody>
+          <a:bodyPr rtlCol="0" anchor="ctr"/>
+          <a:lstStyle/>
+          <a:p>
+            <a:pPr algn="ctr"/>
+            <a:r>
+              <a:rPr kumimoji="1" lang="en-US" altLang="ja-JP">
+                <a:solidFill>
+                  <a:schemeClr val="tx1"/>
+                </a:solidFill>
+              </a:rPr>
+              <a:t>vy</a:t>
+            </a:r>
+            <a:endParaRPr kumimoji="1" lang="ja-JP" altLang="en-US">
+              <a:solidFill>
+                <a:schemeClr val="tx1"/>
+              </a:solidFill>
+            </a:endParaRPr>
+          </a:p>
+        </p:txBody>
+      </p:sp>
+      <p:sp>
+        <p:nvSpPr>
+          <p:cNvPr id="36" name="正方形/長方形 35">
+            <a:extLst>
+              <a:ext uri="{FF2B5EF4-FFF2-40B4-BE49-F238E27FC236}">
+                <a16:creationId xmlns:a16="http://schemas.microsoft.com/office/drawing/2014/main" id="{2A8E9940-7647-D64C-9008-CB953D6FE1E4}"/>
+              </a:ext>
+            </a:extLst>
+          </p:cNvPr>
+          <p:cNvSpPr/>
+          <p:nvPr/>
+        </p:nvSpPr>
+        <p:spPr>
+          <a:xfrm>
+            <a:off x="1856656" y="5733256"/>
+            <a:ext cx="504056" cy="504056"/>
+          </a:xfrm>
+          <a:prstGeom prst="rect">
+            <a:avLst/>
+          </a:prstGeom>
+          <a:solidFill>
+            <a:schemeClr val="accent2">
+              <a:lumMod val="20000"/>
+              <a:lumOff val="80000"/>
+            </a:schemeClr>
+          </a:solidFill>
+          <a:ln>
+            <a:solidFill>
+              <a:schemeClr val="tx1"/>
+            </a:solidFill>
+          </a:ln>
+        </p:spPr>
+        <p:style>
+          <a:lnRef idx="2">
+            <a:schemeClr val="accent1">
+              <a:shade val="50000"/>
+            </a:schemeClr>
+          </a:lnRef>
+          <a:fillRef idx="1">
+            <a:schemeClr val="accent1"/>
+          </a:fillRef>
+          <a:effectRef idx="0">
+            <a:schemeClr val="accent1"/>
+          </a:effectRef>
+          <a:fontRef idx="minor">
+            <a:schemeClr val="lt1"/>
+          </a:fontRef>
+        </p:style>
+        <p:txBody>
+          <a:bodyPr rtlCol="0" anchor="ctr"/>
+          <a:lstStyle/>
+          <a:p>
+            <a:pPr algn="ctr"/>
+            <a:r>
+              <a:rPr lang="en-US" altLang="ja-JP">
+                <a:solidFill>
+                  <a:schemeClr val="tx1"/>
+                </a:solidFill>
+              </a:rPr>
+              <a:t>vx</a:t>
+            </a:r>
+            <a:endParaRPr kumimoji="1" lang="ja-JP" altLang="en-US">
+              <a:solidFill>
+                <a:schemeClr val="tx1"/>
+              </a:solidFill>
+            </a:endParaRPr>
+          </a:p>
+        </p:txBody>
+      </p:sp>
+      <p:sp>
+        <p:nvSpPr>
+          <p:cNvPr id="38" name="正方形/長方形 37">
+            <a:extLst>
+              <a:ext uri="{FF2B5EF4-FFF2-40B4-BE49-F238E27FC236}">
+                <a16:creationId xmlns:a16="http://schemas.microsoft.com/office/drawing/2014/main" id="{37005273-E53A-E445-B2DC-B3A4E54A6F18}"/>
+              </a:ext>
+            </a:extLst>
+          </p:cNvPr>
+          <p:cNvSpPr/>
+          <p:nvPr/>
+        </p:nvSpPr>
+        <p:spPr>
+          <a:xfrm>
+            <a:off x="6033120" y="4221088"/>
+            <a:ext cx="504056" cy="504056"/>
+          </a:xfrm>
+          <a:prstGeom prst="rect">
+            <a:avLst/>
+          </a:prstGeom>
+          <a:solidFill>
+            <a:schemeClr val="bg1"/>
+          </a:solidFill>
+          <a:ln>
+            <a:solidFill>
+              <a:schemeClr val="tx1"/>
+            </a:solidFill>
+          </a:ln>
+        </p:spPr>
+        <p:style>
+          <a:lnRef idx="2">
+            <a:schemeClr val="accent1">
+              <a:shade val="50000"/>
+            </a:schemeClr>
+          </a:lnRef>
+          <a:fillRef idx="1">
+            <a:schemeClr val="accent1"/>
+          </a:fillRef>
+          <a:effectRef idx="0">
+            <a:schemeClr val="accent1"/>
+          </a:effectRef>
+          <a:fontRef idx="minor">
+            <a:schemeClr val="lt1"/>
+          </a:fontRef>
+        </p:style>
+        <p:txBody>
+          <a:bodyPr rtlCol="0" anchor="ctr"/>
+          <a:lstStyle/>
+          <a:p>
+            <a:pPr algn="ctr"/>
+            <a:endParaRPr kumimoji="1" lang="ja-JP" altLang="en-US">
+              <a:solidFill>
+                <a:schemeClr val="tx1"/>
+              </a:solidFill>
+            </a:endParaRPr>
+          </a:p>
+        </p:txBody>
+      </p:sp>
+      <p:sp>
+        <p:nvSpPr>
+          <p:cNvPr id="39" name="正方形/長方形 38">
+            <a:extLst>
+              <a:ext uri="{FF2B5EF4-FFF2-40B4-BE49-F238E27FC236}">
+                <a16:creationId xmlns:a16="http://schemas.microsoft.com/office/drawing/2014/main" id="{0DB806AE-094A-A04D-8B36-D6406A700FE6}"/>
+              </a:ext>
+            </a:extLst>
+          </p:cNvPr>
+          <p:cNvSpPr/>
+          <p:nvPr/>
+        </p:nvSpPr>
+        <p:spPr>
+          <a:xfrm>
+            <a:off x="6033120" y="4725144"/>
+            <a:ext cx="504056" cy="504056"/>
+          </a:xfrm>
+          <a:prstGeom prst="rect">
+            <a:avLst/>
+          </a:prstGeom>
+          <a:solidFill>
+            <a:schemeClr val="accent2">
+              <a:lumMod val="20000"/>
+              <a:lumOff val="80000"/>
+            </a:schemeClr>
+          </a:solidFill>
+          <a:ln>
+            <a:solidFill>
+              <a:schemeClr val="tx1"/>
+            </a:solidFill>
+          </a:ln>
+        </p:spPr>
+        <p:style>
+          <a:lnRef idx="2">
+            <a:schemeClr val="accent1">
+              <a:shade val="50000"/>
+            </a:schemeClr>
+          </a:lnRef>
+          <a:fillRef idx="1">
+            <a:schemeClr val="accent1"/>
+          </a:fillRef>
+          <a:effectRef idx="0">
+            <a:schemeClr val="accent1"/>
+          </a:effectRef>
+          <a:fontRef idx="minor">
+            <a:schemeClr val="lt1"/>
+          </a:fontRef>
+        </p:style>
+        <p:txBody>
+          <a:bodyPr rtlCol="0" anchor="ctr"/>
+          <a:lstStyle/>
+          <a:p>
+            <a:pPr algn="ctr"/>
+            <a:r>
+              <a:rPr lang="en-US" altLang="ja-JP">
+                <a:solidFill>
+                  <a:schemeClr val="tx1"/>
+                </a:solidFill>
+              </a:rPr>
+              <a:t>vx</a:t>
+            </a:r>
+            <a:endParaRPr kumimoji="1" lang="ja-JP" altLang="en-US">
+              <a:solidFill>
+                <a:schemeClr val="tx1"/>
+              </a:solidFill>
+            </a:endParaRPr>
+          </a:p>
+        </p:txBody>
+      </p:sp>
+      <p:sp>
+        <p:nvSpPr>
+          <p:cNvPr id="40" name="正方形/長方形 39">
+            <a:extLst>
+              <a:ext uri="{FF2B5EF4-FFF2-40B4-BE49-F238E27FC236}">
+                <a16:creationId xmlns:a16="http://schemas.microsoft.com/office/drawing/2014/main" id="{22433A82-F88C-6644-9028-912F0295CEA3}"/>
+              </a:ext>
+            </a:extLst>
+          </p:cNvPr>
+          <p:cNvSpPr/>
+          <p:nvPr/>
+        </p:nvSpPr>
+        <p:spPr>
+          <a:xfrm>
+            <a:off x="6033120" y="5229200"/>
+            <a:ext cx="504056" cy="504056"/>
+          </a:xfrm>
+          <a:prstGeom prst="rect">
+            <a:avLst/>
+          </a:prstGeom>
+          <a:solidFill>
+            <a:schemeClr val="accent6">
+              <a:lumMod val="20000"/>
+              <a:lumOff val="80000"/>
+            </a:schemeClr>
+          </a:solidFill>
+          <a:ln>
+            <a:solidFill>
+              <a:schemeClr val="tx1"/>
+            </a:solidFill>
+          </a:ln>
+        </p:spPr>
+        <p:style>
+          <a:lnRef idx="2">
+            <a:schemeClr val="accent1">
+              <a:shade val="50000"/>
+            </a:schemeClr>
+          </a:lnRef>
+          <a:fillRef idx="1">
+            <a:schemeClr val="accent1"/>
+          </a:fillRef>
+          <a:effectRef idx="0">
+            <a:schemeClr val="accent1"/>
+          </a:effectRef>
+          <a:fontRef idx="minor">
+            <a:schemeClr val="lt1"/>
+          </a:fontRef>
+        </p:style>
+        <p:txBody>
+          <a:bodyPr rtlCol="0" anchor="ctr"/>
+          <a:lstStyle/>
+          <a:p>
+            <a:pPr algn="ctr"/>
+            <a:r>
+              <a:rPr kumimoji="1" lang="en-US" altLang="ja-JP">
+                <a:solidFill>
+                  <a:schemeClr val="tx1"/>
+                </a:solidFill>
+              </a:rPr>
+              <a:t>vz</a:t>
+            </a:r>
+            <a:endParaRPr kumimoji="1" lang="ja-JP" altLang="en-US">
+              <a:solidFill>
+                <a:schemeClr val="tx1"/>
+              </a:solidFill>
+            </a:endParaRPr>
+          </a:p>
+        </p:txBody>
+      </p:sp>
+      <p:sp>
+        <p:nvSpPr>
+          <p:cNvPr id="41" name="正方形/長方形 40">
+            <a:extLst>
+              <a:ext uri="{FF2B5EF4-FFF2-40B4-BE49-F238E27FC236}">
+                <a16:creationId xmlns:a16="http://schemas.microsoft.com/office/drawing/2014/main" id="{C71D2DB2-0B19-0649-870E-476B4A9DF824}"/>
+              </a:ext>
+            </a:extLst>
+          </p:cNvPr>
+          <p:cNvSpPr/>
+          <p:nvPr/>
+        </p:nvSpPr>
+        <p:spPr>
+          <a:xfrm>
+            <a:off x="6033120" y="5733256"/>
+            <a:ext cx="504056" cy="504056"/>
+          </a:xfrm>
+          <a:prstGeom prst="rect">
+            <a:avLst/>
+          </a:prstGeom>
+          <a:solidFill>
+            <a:schemeClr val="accent1">
+              <a:lumMod val="20000"/>
+              <a:lumOff val="80000"/>
+            </a:schemeClr>
+          </a:solidFill>
+          <a:ln>
+            <a:solidFill>
+              <a:schemeClr val="tx1"/>
+            </a:solidFill>
+          </a:ln>
+        </p:spPr>
+        <p:style>
+          <a:lnRef idx="2">
+            <a:schemeClr val="accent1">
+              <a:shade val="50000"/>
+            </a:schemeClr>
+          </a:lnRef>
+          <a:fillRef idx="1">
+            <a:schemeClr val="accent1"/>
+          </a:fillRef>
+          <a:effectRef idx="0">
+            <a:schemeClr val="accent1"/>
+          </a:effectRef>
+          <a:fontRef idx="minor">
+            <a:schemeClr val="lt1"/>
+          </a:fontRef>
+        </p:style>
+        <p:txBody>
+          <a:bodyPr rtlCol="0" anchor="ctr"/>
+          <a:lstStyle/>
+          <a:p>
+            <a:pPr algn="ctr"/>
+            <a:r>
+              <a:rPr lang="en-US" altLang="ja-JP">
+                <a:solidFill>
+                  <a:schemeClr val="tx1"/>
+                </a:solidFill>
+              </a:rPr>
+              <a:t>vy</a:t>
+            </a:r>
+            <a:endParaRPr kumimoji="1" lang="ja-JP" altLang="en-US">
+              <a:solidFill>
+                <a:schemeClr val="tx1"/>
+              </a:solidFill>
+            </a:endParaRPr>
+          </a:p>
+        </p:txBody>
+      </p:sp>
+      <p:sp>
+        <p:nvSpPr>
+          <p:cNvPr id="42" name="正方形/長方形 41">
+            <a:extLst>
+              <a:ext uri="{FF2B5EF4-FFF2-40B4-BE49-F238E27FC236}">
+                <a16:creationId xmlns:a16="http://schemas.microsoft.com/office/drawing/2014/main" id="{74D89C7E-A58A-C347-A6BC-392C83CEB86E}"/>
+              </a:ext>
+            </a:extLst>
+          </p:cNvPr>
+          <p:cNvSpPr/>
+          <p:nvPr/>
+        </p:nvSpPr>
+        <p:spPr>
+          <a:xfrm>
+            <a:off x="2720752" y="4653136"/>
+            <a:ext cx="3079689" cy="646331"/>
+          </a:xfrm>
+          <a:prstGeom prst="rect">
+            <a:avLst/>
+          </a:prstGeom>
+        </p:spPr>
+        <p:txBody>
+          <a:bodyPr wrap="none">
+            <a:spAutoFit/>
+          </a:bodyPr>
+          <a:lstStyle/>
+          <a:p>
+            <a:pPr algn="ctr"/>
+            <a:r>
+              <a:rPr lang="en" altLang="ja-JP">
+                <a:effectLst/>
+                <a:latin typeface="Monaco" pitchFamily="2" charset="0"/>
+              </a:rPr>
+              <a:t>_mm256_permute4x64_pd</a:t>
+            </a:r>
+          </a:p>
+          <a:p>
+            <a:pPr algn="ctr"/>
+            <a:r>
+              <a:rPr lang="en" altLang="ja-JP">
+                <a:effectLst/>
+                <a:latin typeface="Monaco" pitchFamily="2" charset="0"/>
+              </a:rPr>
+              <a:t>(vpermpd)</a:t>
+            </a:r>
+          </a:p>
+        </p:txBody>
+      </p:sp>
+      <p:sp>
+        <p:nvSpPr>
+          <p:cNvPr id="43" name="下矢印 42">
+            <a:extLst>
+              <a:ext uri="{FF2B5EF4-FFF2-40B4-BE49-F238E27FC236}">
+                <a16:creationId xmlns:a16="http://schemas.microsoft.com/office/drawing/2014/main" id="{0E80717C-7925-B542-AA3E-B51BFF6E687C}"/>
+              </a:ext>
+            </a:extLst>
+          </p:cNvPr>
+          <p:cNvSpPr/>
+          <p:nvPr/>
+        </p:nvSpPr>
+        <p:spPr>
+          <a:xfrm rot="16200000">
+            <a:off x="3944888" y="5373216"/>
+            <a:ext cx="504056" cy="504056"/>
+          </a:xfrm>
+          <a:prstGeom prst="downArrow">
+            <a:avLst/>
+          </a:prstGeom>
+          <a:solidFill>
+            <a:srgbClr val="FF0000"/>
+          </a:solidFill>
+          <a:ln>
+            <a:solidFill>
+              <a:schemeClr val="tx1"/>
+            </a:solidFill>
+          </a:ln>
+        </p:spPr>
+        <p:style>
+          <a:lnRef idx="2">
+            <a:schemeClr val="accent1">
+              <a:shade val="50000"/>
+            </a:schemeClr>
+          </a:lnRef>
+          <a:fillRef idx="1">
+            <a:schemeClr val="accent1"/>
+          </a:fillRef>
+          <a:effectRef idx="0">
+            <a:schemeClr val="accent1"/>
+          </a:effectRef>
+          <a:fontRef idx="minor">
+            <a:schemeClr val="lt1"/>
+          </a:fontRef>
+        </p:style>
+        <p:txBody>
+          <a:bodyPr rtlCol="0" anchor="ctr"/>
+          <a:lstStyle/>
+          <a:p>
+            <a:pPr algn="ctr"/>
+            <a:endParaRPr kumimoji="1" lang="ja-JP" altLang="en-US"/>
+          </a:p>
+        </p:txBody>
+      </p:sp>
+      <p:sp>
+        <p:nvSpPr>
+          <p:cNvPr id="45" name="正方形/長方形 44">
+            <a:extLst>
+              <a:ext uri="{FF2B5EF4-FFF2-40B4-BE49-F238E27FC236}">
+                <a16:creationId xmlns:a16="http://schemas.microsoft.com/office/drawing/2014/main" id="{1A50A274-7E8D-2D45-B074-7A50E89DBD13}"/>
+              </a:ext>
+            </a:extLst>
+          </p:cNvPr>
+          <p:cNvSpPr/>
+          <p:nvPr/>
+        </p:nvSpPr>
+        <p:spPr>
+          <a:xfrm>
+            <a:off x="1424608" y="3789040"/>
+            <a:ext cx="1563248" cy="369332"/>
+          </a:xfrm>
+          <a:prstGeom prst="rect">
+            <a:avLst/>
+          </a:prstGeom>
+        </p:spPr>
+        <p:txBody>
+          <a:bodyPr wrap="none">
+            <a:spAutoFit/>
+          </a:bodyPr>
+          <a:lstStyle/>
+          <a:p>
+            <a:r>
+              <a:rPr lang="en" altLang="ja-JP">
+                <a:effectLst/>
+                <a:latin typeface="Monaco" pitchFamily="2" charset="0"/>
+              </a:rPr>
+              <a:t>__m256d vv</a:t>
+            </a:r>
+          </a:p>
+        </p:txBody>
+      </p:sp>
+      <p:sp>
+        <p:nvSpPr>
+          <p:cNvPr id="46" name="正方形/長方形 45">
+            <a:extLst>
+              <a:ext uri="{FF2B5EF4-FFF2-40B4-BE49-F238E27FC236}">
+                <a16:creationId xmlns:a16="http://schemas.microsoft.com/office/drawing/2014/main" id="{0F341987-1B4F-544B-8BB8-5DCD73AA6FFE}"/>
+              </a:ext>
+            </a:extLst>
+          </p:cNvPr>
+          <p:cNvSpPr/>
+          <p:nvPr/>
+        </p:nvSpPr>
+        <p:spPr>
+          <a:xfrm>
+            <a:off x="5385048" y="3789040"/>
+            <a:ext cx="2114681" cy="369332"/>
+          </a:xfrm>
+          <a:prstGeom prst="rect">
+            <a:avLst/>
+          </a:prstGeom>
+        </p:spPr>
+        <p:txBody>
+          <a:bodyPr wrap="none">
+            <a:spAutoFit/>
+          </a:bodyPr>
+          <a:lstStyle/>
+          <a:p>
+            <a:r>
+              <a:rPr lang="en" altLang="ja-JP">
+                <a:effectLst/>
+                <a:latin typeface="Monaco" pitchFamily="2" charset="0"/>
+              </a:rPr>
+              <a:t>__m256d vv_yzx</a:t>
+            </a:r>
+          </a:p>
+        </p:txBody>
+      </p:sp>
+    </p:spTree>
+    <p:extLst>
+      <p:ext uri="{BB962C8B-B14F-4D97-AF65-F5344CB8AC3E}">
+        <p14:creationId xmlns:p14="http://schemas.microsoft.com/office/powerpoint/2010/main" val="4292700720"/>
       </p:ext>
     </p:extLst>
   </p:cSld>

--- a/day7/fig/fig.pptx
+++ b/day7/fig/fig.pptx
@@ -201,7 +201,7 @@
           </a:lstStyle>
           <a:p>
             <a:fld id="{234B1B89-6D29-7849-8E65-921CEBC6CA4C}" type="datetimeFigureOut">
-              <a:t>2018/11/15</a:t>
+              <a:t>2020/7/23</a:t>
             </a:fld>
             <a:endParaRPr kumimoji="1" lang="ja-JP" altLang="en-US"/>
           </a:p>
@@ -4802,14 +4802,14 @@
             <a:p>
               <a:pPr algn="ctr"/>
               <a:r>
-                <a:rPr lang="en-US" altLang="ja-JP">
+                <a:rPr lang="en-US" altLang="ja-JP" dirty="0">
                   <a:solidFill>
                     <a:schemeClr val="tx1"/>
                   </a:solidFill>
                 </a:rPr>
                 <a:t>vx</a:t>
               </a:r>
-              <a:endParaRPr kumimoji="1" lang="ja-JP" altLang="en-US">
+              <a:endParaRPr kumimoji="1" lang="ja-JP" altLang="en-US" dirty="0">
                 <a:solidFill>
                   <a:schemeClr val="tx1"/>
                 </a:solidFill>
@@ -4868,14 +4868,14 @@
             <a:p>
               <a:pPr algn="ctr"/>
               <a:r>
-                <a:rPr kumimoji="1" lang="en-US" altLang="ja-JP">
+                <a:rPr kumimoji="1" lang="en-US" altLang="ja-JP" dirty="0">
                   <a:solidFill>
                     <a:schemeClr val="tx1"/>
                   </a:solidFill>
                 </a:rPr>
                 <a:t>vz</a:t>
               </a:r>
-              <a:endParaRPr kumimoji="1" lang="ja-JP" altLang="en-US">
+              <a:endParaRPr kumimoji="1" lang="ja-JP" altLang="en-US" dirty="0">
                 <a:solidFill>
                   <a:schemeClr val="tx1"/>
                 </a:solidFill>
@@ -4934,14 +4934,14 @@
             <a:p>
               <a:pPr algn="ctr"/>
               <a:r>
-                <a:rPr lang="en-US" altLang="ja-JP">
+                <a:rPr lang="en-US" altLang="ja-JP" dirty="0">
                   <a:solidFill>
                     <a:schemeClr val="tx1"/>
                   </a:solidFill>
                 </a:rPr>
                 <a:t>vy</a:t>
               </a:r>
-              <a:endParaRPr kumimoji="1" lang="ja-JP" altLang="en-US">
+              <a:endParaRPr kumimoji="1" lang="ja-JP" altLang="en-US" dirty="0">
                 <a:solidFill>
                   <a:schemeClr val="tx1"/>
                 </a:solidFill>
@@ -5356,14 +5356,14 @@
             <a:p>
               <a:pPr algn="ctr"/>
               <a:r>
-                <a:rPr lang="en-US" altLang="ja-JP">
+                <a:rPr lang="en-US" altLang="ja-JP" dirty="0" smtClean="0">
                   <a:solidFill>
                     <a:schemeClr val="tx1"/>
                   </a:solidFill>
                 </a:rPr>
-                <a:t>vx</a:t>
+                <a:t>vy</a:t>
               </a:r>
-              <a:endParaRPr kumimoji="1" lang="ja-JP" altLang="en-US">
+              <a:endParaRPr kumimoji="1" lang="ja-JP" altLang="en-US" dirty="0">
                 <a:solidFill>
                   <a:schemeClr val="tx1"/>
                 </a:solidFill>
@@ -5422,14 +5422,14 @@
             <a:p>
               <a:pPr algn="ctr"/>
               <a:r>
-                <a:rPr kumimoji="1" lang="en-US" altLang="ja-JP">
+                <a:rPr kumimoji="1" lang="en-US" altLang="ja-JP" dirty="0" smtClean="0">
                   <a:solidFill>
                     <a:schemeClr val="tx1"/>
                   </a:solidFill>
                 </a:rPr>
-                <a:t>vz</a:t>
+                <a:t>vx</a:t>
               </a:r>
-              <a:endParaRPr kumimoji="1" lang="ja-JP" altLang="en-US">
+              <a:endParaRPr kumimoji="1" lang="ja-JP" altLang="en-US" dirty="0">
                 <a:solidFill>
                   <a:schemeClr val="tx1"/>
                 </a:solidFill>
@@ -5488,14 +5488,14 @@
             <a:p>
               <a:pPr algn="ctr"/>
               <a:r>
-                <a:rPr lang="en-US" altLang="ja-JP">
+                <a:rPr lang="en-US" altLang="ja-JP" dirty="0" smtClean="0">
                   <a:solidFill>
                     <a:schemeClr val="tx1"/>
                   </a:solidFill>
                 </a:rPr>
-                <a:t>vy</a:t>
+                <a:t>vz</a:t>
               </a:r>
-              <a:endParaRPr kumimoji="1" lang="ja-JP" altLang="en-US">
+              <a:endParaRPr kumimoji="1" lang="ja-JP" altLang="en-US" dirty="0">
                 <a:solidFill>
                   <a:schemeClr val="tx1"/>
                 </a:solidFill>
@@ -5633,14 +5633,14 @@
             <a:p>
               <a:pPr algn="ctr"/>
               <a:r>
-                <a:rPr lang="en-US" altLang="ja-JP">
+                <a:rPr lang="en-US" altLang="ja-JP" dirty="0" smtClean="0">
                   <a:solidFill>
                     <a:schemeClr val="tx1"/>
                   </a:solidFill>
                 </a:rPr>
-                <a:t>BY</a:t>
+                <a:t>BX</a:t>
               </a:r>
-              <a:endParaRPr kumimoji="1" lang="ja-JP" altLang="en-US">
+              <a:endParaRPr kumimoji="1" lang="ja-JP" altLang="en-US" dirty="0">
                 <a:solidFill>
                   <a:schemeClr val="tx1"/>
                 </a:solidFill>
@@ -5699,14 +5699,14 @@
             <a:p>
               <a:pPr algn="ctr"/>
               <a:r>
-                <a:rPr kumimoji="1" lang="en-US" altLang="ja-JP">
+                <a:rPr kumimoji="1" lang="en-US" altLang="ja-JP" dirty="0" smtClean="0">
                   <a:solidFill>
                     <a:schemeClr val="tx1"/>
                   </a:solidFill>
                 </a:rPr>
-                <a:t>BX</a:t>
+                <a:t>BZ</a:t>
               </a:r>
-              <a:endParaRPr kumimoji="1" lang="ja-JP" altLang="en-US">
+              <a:endParaRPr kumimoji="1" lang="ja-JP" altLang="en-US" dirty="0">
                 <a:solidFill>
                   <a:schemeClr val="tx1"/>
                 </a:solidFill>
@@ -5765,14 +5765,14 @@
             <a:p>
               <a:pPr algn="ctr"/>
               <a:r>
-                <a:rPr lang="en-US" altLang="ja-JP">
+                <a:rPr lang="en-US" altLang="ja-JP" dirty="0" smtClean="0">
                   <a:solidFill>
                     <a:schemeClr val="tx1"/>
                   </a:solidFill>
                 </a:rPr>
-                <a:t>BZ</a:t>
+                <a:t>BY</a:t>
               </a:r>
-              <a:endParaRPr kumimoji="1" lang="ja-JP" altLang="en-US">
+              <a:endParaRPr kumimoji="1" lang="ja-JP" altLang="en-US" dirty="0">
                 <a:solidFill>
                   <a:schemeClr val="tx1"/>
                 </a:solidFill>
@@ -6037,14 +6037,14 @@
           <a:p>
             <a:pPr algn="ctr"/>
             <a:r>
-              <a:rPr lang="en-US" altLang="ja-JP">
+              <a:rPr lang="en-US" altLang="ja-JP" dirty="0">
                 <a:solidFill>
                   <a:schemeClr val="tx1"/>
                 </a:solidFill>
               </a:rPr>
               <a:t>vz</a:t>
             </a:r>
-            <a:endParaRPr kumimoji="1" lang="ja-JP" altLang="en-US">
+            <a:endParaRPr kumimoji="1" lang="ja-JP" altLang="en-US" dirty="0">
               <a:solidFill>
                 <a:schemeClr val="tx1"/>
               </a:solidFill>
@@ -6106,14 +6106,14 @@
           <a:p>
             <a:pPr algn="ctr"/>
             <a:r>
-              <a:rPr kumimoji="1" lang="en-US" altLang="ja-JP">
+              <a:rPr kumimoji="1" lang="en-US" altLang="ja-JP" dirty="0">
                 <a:solidFill>
                   <a:schemeClr val="tx1"/>
                 </a:solidFill>
               </a:rPr>
               <a:t>vy</a:t>
             </a:r>
-            <a:endParaRPr kumimoji="1" lang="ja-JP" altLang="en-US">
+            <a:endParaRPr kumimoji="1" lang="ja-JP" altLang="en-US" dirty="0">
               <a:solidFill>
                 <a:schemeClr val="tx1"/>
               </a:solidFill>
@@ -6175,14 +6175,14 @@
           <a:p>
             <a:pPr algn="ctr"/>
             <a:r>
-              <a:rPr lang="en-US" altLang="ja-JP">
+              <a:rPr lang="en-US" altLang="ja-JP" dirty="0">
                 <a:solidFill>
                   <a:schemeClr val="tx1"/>
                 </a:solidFill>
               </a:rPr>
               <a:t>vx</a:t>
             </a:r>
-            <a:endParaRPr kumimoji="1" lang="ja-JP" altLang="en-US">
+            <a:endParaRPr kumimoji="1" lang="ja-JP" altLang="en-US" dirty="0">
               <a:solidFill>
                 <a:schemeClr val="tx1"/>
               </a:solidFill>
@@ -6302,14 +6302,14 @@
           <a:p>
             <a:pPr algn="ctr"/>
             <a:r>
-              <a:rPr lang="en-US" altLang="ja-JP">
+              <a:rPr lang="en-US" altLang="ja-JP" dirty="0">
                 <a:solidFill>
                   <a:schemeClr val="tx1"/>
                 </a:solidFill>
               </a:rPr>
               <a:t>vx</a:t>
             </a:r>
-            <a:endParaRPr kumimoji="1" lang="ja-JP" altLang="en-US">
+            <a:endParaRPr kumimoji="1" lang="ja-JP" altLang="en-US" dirty="0">
               <a:solidFill>
                 <a:schemeClr val="tx1"/>
               </a:solidFill>
@@ -6371,14 +6371,14 @@
           <a:p>
             <a:pPr algn="ctr"/>
             <a:r>
-              <a:rPr kumimoji="1" lang="en-US" altLang="ja-JP">
+              <a:rPr kumimoji="1" lang="en-US" altLang="ja-JP" dirty="0">
                 <a:solidFill>
                   <a:schemeClr val="tx1"/>
                 </a:solidFill>
               </a:rPr>
               <a:t>vz</a:t>
             </a:r>
-            <a:endParaRPr kumimoji="1" lang="ja-JP" altLang="en-US">
+            <a:endParaRPr kumimoji="1" lang="ja-JP" altLang="en-US" dirty="0">
               <a:solidFill>
                 <a:schemeClr val="tx1"/>
               </a:solidFill>
@@ -6440,14 +6440,14 @@
           <a:p>
             <a:pPr algn="ctr"/>
             <a:r>
-              <a:rPr lang="en-US" altLang="ja-JP">
+              <a:rPr lang="en-US" altLang="ja-JP" dirty="0">
                 <a:solidFill>
                   <a:schemeClr val="tx1"/>
                 </a:solidFill>
               </a:rPr>
               <a:t>vy</a:t>
             </a:r>
-            <a:endParaRPr kumimoji="1" lang="ja-JP" altLang="en-US">
+            <a:endParaRPr kumimoji="1" lang="ja-JP" altLang="en-US" dirty="0">
               <a:solidFill>
                 <a:schemeClr val="tx1"/>
               </a:solidFill>
